--- a/Internship.pptx
+++ b/Internship.pptx
@@ -7,14 +7,23 @@
   <p:sldIdLst>
     <p:sldId id="256" r:id="rId2"/>
     <p:sldId id="258" r:id="rId3"/>
-    <p:sldId id="263" r:id="rId4"/>
-    <p:sldId id="266" r:id="rId5"/>
-    <p:sldId id="290" r:id="rId6"/>
-    <p:sldId id="289" r:id="rId7"/>
-    <p:sldId id="291" r:id="rId8"/>
-    <p:sldId id="288" r:id="rId9"/>
-    <p:sldId id="286" r:id="rId10"/>
-    <p:sldId id="287" r:id="rId11"/>
+    <p:sldId id="300" r:id="rId4"/>
+    <p:sldId id="299" r:id="rId5"/>
+    <p:sldId id="263" r:id="rId6"/>
+    <p:sldId id="266" r:id="rId7"/>
+    <p:sldId id="290" r:id="rId8"/>
+    <p:sldId id="289" r:id="rId9"/>
+    <p:sldId id="291" r:id="rId10"/>
+    <p:sldId id="293" r:id="rId11"/>
+    <p:sldId id="294" r:id="rId12"/>
+    <p:sldId id="295" r:id="rId13"/>
+    <p:sldId id="296" r:id="rId14"/>
+    <p:sldId id="292" r:id="rId15"/>
+    <p:sldId id="297" r:id="rId16"/>
+    <p:sldId id="298" r:id="rId17"/>
+    <p:sldId id="288" r:id="rId18"/>
+    <p:sldId id="286" r:id="rId19"/>
+    <p:sldId id="287" r:id="rId20"/>
   </p:sldIdLst>
   <p:sldSz cx="12192000" cy="6858000"/>
   <p:notesSz cx="6858000" cy="9144000"/>
@@ -270,7 +279,7 @@
           <a:p>
             <a:fld id="{9589FA9A-A757-4F59-93C9-EAE2979DB3FA}" type="datetimeFigureOut">
               <a:rPr lang="en-IN" smtClean="0"/>
-              <a:t>24-02-2022</a:t>
+              <a:t>01-03-2022</a:t>
             </a:fld>
             <a:endParaRPr lang="en-IN"/>
           </a:p>
@@ -470,7 +479,7 @@
           <a:p>
             <a:fld id="{9589FA9A-A757-4F59-93C9-EAE2979DB3FA}" type="datetimeFigureOut">
               <a:rPr lang="en-IN" smtClean="0"/>
-              <a:t>24-02-2022</a:t>
+              <a:t>01-03-2022</a:t>
             </a:fld>
             <a:endParaRPr lang="en-IN"/>
           </a:p>
@@ -680,7 +689,7 @@
           <a:p>
             <a:fld id="{9589FA9A-A757-4F59-93C9-EAE2979DB3FA}" type="datetimeFigureOut">
               <a:rPr lang="en-IN" smtClean="0"/>
-              <a:t>24-02-2022</a:t>
+              <a:t>01-03-2022</a:t>
             </a:fld>
             <a:endParaRPr lang="en-IN"/>
           </a:p>
@@ -880,7 +889,7 @@
           <a:p>
             <a:fld id="{9589FA9A-A757-4F59-93C9-EAE2979DB3FA}" type="datetimeFigureOut">
               <a:rPr lang="en-IN" smtClean="0"/>
-              <a:t>24-02-2022</a:t>
+              <a:t>01-03-2022</a:t>
             </a:fld>
             <a:endParaRPr lang="en-IN"/>
           </a:p>
@@ -1156,7 +1165,7 @@
           <a:p>
             <a:fld id="{9589FA9A-A757-4F59-93C9-EAE2979DB3FA}" type="datetimeFigureOut">
               <a:rPr lang="en-IN" smtClean="0"/>
-              <a:t>24-02-2022</a:t>
+              <a:t>01-03-2022</a:t>
             </a:fld>
             <a:endParaRPr lang="en-IN"/>
           </a:p>
@@ -1424,7 +1433,7 @@
           <a:p>
             <a:fld id="{9589FA9A-A757-4F59-93C9-EAE2979DB3FA}" type="datetimeFigureOut">
               <a:rPr lang="en-IN" smtClean="0"/>
-              <a:t>24-02-2022</a:t>
+              <a:t>01-03-2022</a:t>
             </a:fld>
             <a:endParaRPr lang="en-IN"/>
           </a:p>
@@ -1839,7 +1848,7 @@
           <a:p>
             <a:fld id="{9589FA9A-A757-4F59-93C9-EAE2979DB3FA}" type="datetimeFigureOut">
               <a:rPr lang="en-IN" smtClean="0"/>
-              <a:t>24-02-2022</a:t>
+              <a:t>01-03-2022</a:t>
             </a:fld>
             <a:endParaRPr lang="en-IN"/>
           </a:p>
@@ -1981,7 +1990,7 @@
           <a:p>
             <a:fld id="{9589FA9A-A757-4F59-93C9-EAE2979DB3FA}" type="datetimeFigureOut">
               <a:rPr lang="en-IN" smtClean="0"/>
-              <a:t>24-02-2022</a:t>
+              <a:t>01-03-2022</a:t>
             </a:fld>
             <a:endParaRPr lang="en-IN"/>
           </a:p>
@@ -2094,7 +2103,7 @@
           <a:p>
             <a:fld id="{9589FA9A-A757-4F59-93C9-EAE2979DB3FA}" type="datetimeFigureOut">
               <a:rPr lang="en-IN" smtClean="0"/>
-              <a:t>24-02-2022</a:t>
+              <a:t>01-03-2022</a:t>
             </a:fld>
             <a:endParaRPr lang="en-IN"/>
           </a:p>
@@ -2407,7 +2416,7 @@
           <a:p>
             <a:fld id="{9589FA9A-A757-4F59-93C9-EAE2979DB3FA}" type="datetimeFigureOut">
               <a:rPr lang="en-IN" smtClean="0"/>
-              <a:t>24-02-2022</a:t>
+              <a:t>01-03-2022</a:t>
             </a:fld>
             <a:endParaRPr lang="en-IN"/>
           </a:p>
@@ -2696,7 +2705,7 @@
           <a:p>
             <a:fld id="{9589FA9A-A757-4F59-93C9-EAE2979DB3FA}" type="datetimeFigureOut">
               <a:rPr lang="en-IN" smtClean="0"/>
-              <a:t>24-02-2022</a:t>
+              <a:t>01-03-2022</a:t>
             </a:fld>
             <a:endParaRPr lang="en-IN"/>
           </a:p>
@@ -2939,7 +2948,7 @@
           <a:p>
             <a:fld id="{9589FA9A-A757-4F59-93C9-EAE2979DB3FA}" type="datetimeFigureOut">
               <a:rPr lang="en-IN" smtClean="0"/>
-              <a:t>24-02-2022</a:t>
+              <a:t>01-03-2022</a:t>
             </a:fld>
             <a:endParaRPr lang="en-IN"/>
           </a:p>
@@ -4013,6 +4022,1751 @@
           <a:p>
             <a:r>
               <a:rPr lang="en-IN" b="1" dirty="0"/>
+              <a:t>Implementation </a:t>
+            </a:r>
+          </a:p>
+        </p:txBody>
+      </p:sp>
+      <p:pic>
+        <p:nvPicPr>
+          <p:cNvPr id="4" name="Picture 7">
+            <a:extLst>
+              <a:ext uri="{FF2B5EF4-FFF2-40B4-BE49-F238E27FC236}">
+                <a16:creationId xmlns:a16="http://schemas.microsoft.com/office/drawing/2014/main" id="{A3B6A24E-442E-4C40-ACD9-23E82280DC80}"/>
+              </a:ext>
+            </a:extLst>
+          </p:cNvPr>
+          <p:cNvPicPr>
+            <a:picLocks noChangeAspect="1" noChangeArrowheads="1"/>
+          </p:cNvPicPr>
+          <p:nvPr/>
+        </p:nvPicPr>
+        <p:blipFill>
+          <a:blip r:embed="rId2">
+            <a:extLst>
+              <a:ext uri="{28A0092B-C50C-407E-A947-70E740481C1C}">
+                <a14:useLocalDpi xmlns:a14="http://schemas.microsoft.com/office/drawing/2010/main" val="0"/>
+              </a:ext>
+            </a:extLst>
+          </a:blip>
+          <a:srcRect/>
+          <a:stretch>
+            <a:fillRect/>
+          </a:stretch>
+        </p:blipFill>
+        <p:spPr bwMode="auto">
+          <a:xfrm>
+            <a:off x="9725025" y="375443"/>
+            <a:ext cx="1628775" cy="1304925"/>
+          </a:xfrm>
+          <a:prstGeom prst="rect">
+            <a:avLst/>
+          </a:prstGeom>
+          <a:noFill/>
+          <a:extLst>
+            <a:ext uri="{909E8E84-426E-40DD-AFC4-6F175D3DCCD1}">
+              <a14:hiddenFill xmlns:a14="http://schemas.microsoft.com/office/drawing/2010/main">
+                <a:solidFill>
+                  <a:srgbClr val="FFFFFF"/>
+                </a:solidFill>
+              </a14:hiddenFill>
+            </a:ext>
+          </a:extLst>
+        </p:spPr>
+      </p:pic>
+      <p:sp>
+        <p:nvSpPr>
+          <p:cNvPr id="6" name="Content Placeholder 5">
+            <a:extLst>
+              <a:ext uri="{FF2B5EF4-FFF2-40B4-BE49-F238E27FC236}">
+                <a16:creationId xmlns:a16="http://schemas.microsoft.com/office/drawing/2014/main" id="{90F8CA56-6026-4026-B08E-14B9597E4435}"/>
+              </a:ext>
+            </a:extLst>
+          </p:cNvPr>
+          <p:cNvSpPr>
+            <a:spLocks noGrp="1"/>
+          </p:cNvSpPr>
+          <p:nvPr>
+            <p:ph idx="1"/>
+          </p:nvPr>
+        </p:nvSpPr>
+        <p:spPr/>
+        <p:txBody>
+          <a:bodyPr>
+            <a:normAutofit/>
+          </a:bodyPr>
+          <a:lstStyle/>
+          <a:p>
+            <a:pPr marL="0" indent="0">
+              <a:buNone/>
+            </a:pPr>
+            <a:r>
+              <a:rPr lang="en-IN" sz="3600" dirty="0"/>
+              <a:t>2. App State</a:t>
+            </a:r>
+          </a:p>
+          <a:p>
+            <a:pPr lvl="1"/>
+            <a:r>
+              <a:rPr lang="en-IN" sz="2800" dirty="0">
+                <a:solidFill>
+                  <a:srgbClr val="231F20"/>
+                </a:solidFill>
+                <a:effectLst/>
+                <a:latin typeface="Cambria" panose="02040503050406030204" pitchFamily="18" charset="0"/>
+                <a:ea typeface="Times New Roman" panose="02020603050405020304" pitchFamily="18" charset="0"/>
+                <a:cs typeface="Mangal" panose="02040503050203030202" pitchFamily="18" charset="0"/>
+              </a:rPr>
+              <a:t>State that is not ephemeral, that you want to share across many parts of one’s app, and that you want to keep between user sessions, is what we call application state (sometimes also called shared state</a:t>
+            </a:r>
+          </a:p>
+          <a:p>
+            <a:pPr lvl="1"/>
+            <a:r>
+              <a:rPr lang="en-IN" sz="2800" dirty="0">
+                <a:solidFill>
+                  <a:srgbClr val="231F20"/>
+                </a:solidFill>
+                <a:effectLst/>
+                <a:latin typeface="Cambria" panose="02040503050406030204" pitchFamily="18" charset="0"/>
+                <a:ea typeface="Times New Roman" panose="02020603050405020304" pitchFamily="18" charset="0"/>
+                <a:cs typeface="Mangal" panose="02040503050203030202" pitchFamily="18" charset="0"/>
+              </a:rPr>
+              <a:t>For managing app state, one will want to research one’s options. One’s choice depends on the complexity and nature of one’s app, one’s team’s previous experience, and many other aspects.</a:t>
+            </a:r>
+            <a:endParaRPr lang="en-IN" sz="2800" dirty="0">
+              <a:effectLst/>
+              <a:latin typeface="Cambria" panose="02040503050406030204" pitchFamily="18" charset="0"/>
+              <a:ea typeface="Times New Roman" panose="02020603050405020304" pitchFamily="18" charset="0"/>
+              <a:cs typeface="Mangal" panose="02040503050203030202" pitchFamily="18" charset="0"/>
+            </a:endParaRPr>
+          </a:p>
+          <a:p>
+            <a:pPr lvl="2"/>
+            <a:endParaRPr lang="en-IN" sz="1800" dirty="0"/>
+          </a:p>
+        </p:txBody>
+      </p:sp>
+    </p:spTree>
+    <p:extLst>
+      <p:ext uri="{BB962C8B-B14F-4D97-AF65-F5344CB8AC3E}">
+        <p14:creationId xmlns:p14="http://schemas.microsoft.com/office/powerpoint/2010/main" val="549097193"/>
+      </p:ext>
+    </p:extLst>
+  </p:cSld>
+  <p:clrMapOvr>
+    <a:masterClrMapping/>
+  </p:clrMapOvr>
+</p:sld>
+</file>
+
+<file path=ppt/slides/slide11.xml><?xml version="1.0" encoding="utf-8"?>
+<p:sld xmlns:a="http://schemas.openxmlformats.org/drawingml/2006/main" xmlns:r="http://schemas.openxmlformats.org/officeDocument/2006/relationships" xmlns:p="http://schemas.openxmlformats.org/presentationml/2006/main">
+  <p:cSld>
+    <p:spTree>
+      <p:nvGrpSpPr>
+        <p:cNvPr id="1" name=""/>
+        <p:cNvGrpSpPr/>
+        <p:nvPr/>
+      </p:nvGrpSpPr>
+      <p:grpSpPr>
+        <a:xfrm>
+          <a:off x="0" y="0"/>
+          <a:ext cx="0" cy="0"/>
+          <a:chOff x="0" y="0"/>
+          <a:chExt cx="0" cy="0"/>
+        </a:xfrm>
+      </p:grpSpPr>
+      <p:sp>
+        <p:nvSpPr>
+          <p:cNvPr id="2" name="Title 1">
+            <a:extLst>
+              <a:ext uri="{FF2B5EF4-FFF2-40B4-BE49-F238E27FC236}">
+                <a16:creationId xmlns:a16="http://schemas.microsoft.com/office/drawing/2014/main" id="{078945BF-047F-4163-9CCE-0202B64CFA0C}"/>
+              </a:ext>
+            </a:extLst>
+          </p:cNvPr>
+          <p:cNvSpPr>
+            <a:spLocks noGrp="1"/>
+          </p:cNvSpPr>
+          <p:nvPr>
+            <p:ph type="title"/>
+          </p:nvPr>
+        </p:nvSpPr>
+        <p:spPr/>
+        <p:txBody>
+          <a:bodyPr/>
+          <a:lstStyle/>
+          <a:p>
+            <a:r>
+              <a:rPr lang="en-IN" b="1" dirty="0"/>
+              <a:t>Implementation </a:t>
+            </a:r>
+          </a:p>
+        </p:txBody>
+      </p:sp>
+      <p:pic>
+        <p:nvPicPr>
+          <p:cNvPr id="4" name="Picture 7">
+            <a:extLst>
+              <a:ext uri="{FF2B5EF4-FFF2-40B4-BE49-F238E27FC236}">
+                <a16:creationId xmlns:a16="http://schemas.microsoft.com/office/drawing/2014/main" id="{A3B6A24E-442E-4C40-ACD9-23E82280DC80}"/>
+              </a:ext>
+            </a:extLst>
+          </p:cNvPr>
+          <p:cNvPicPr>
+            <a:picLocks noChangeAspect="1" noChangeArrowheads="1"/>
+          </p:cNvPicPr>
+          <p:nvPr/>
+        </p:nvPicPr>
+        <p:blipFill>
+          <a:blip r:embed="rId2">
+            <a:extLst>
+              <a:ext uri="{28A0092B-C50C-407E-A947-70E740481C1C}">
+                <a14:useLocalDpi xmlns:a14="http://schemas.microsoft.com/office/drawing/2010/main" val="0"/>
+              </a:ext>
+            </a:extLst>
+          </a:blip>
+          <a:srcRect/>
+          <a:stretch>
+            <a:fillRect/>
+          </a:stretch>
+        </p:blipFill>
+        <p:spPr bwMode="auto">
+          <a:xfrm>
+            <a:off x="9725025" y="375443"/>
+            <a:ext cx="1628775" cy="1304925"/>
+          </a:xfrm>
+          <a:prstGeom prst="rect">
+            <a:avLst/>
+          </a:prstGeom>
+          <a:noFill/>
+          <a:extLst>
+            <a:ext uri="{909E8E84-426E-40DD-AFC4-6F175D3DCCD1}">
+              <a14:hiddenFill xmlns:a14="http://schemas.microsoft.com/office/drawing/2010/main">
+                <a:solidFill>
+                  <a:srgbClr val="FFFFFF"/>
+                </a:solidFill>
+              </a14:hiddenFill>
+            </a:ext>
+          </a:extLst>
+        </p:spPr>
+      </p:pic>
+      <p:sp>
+        <p:nvSpPr>
+          <p:cNvPr id="6" name="Content Placeholder 5">
+            <a:extLst>
+              <a:ext uri="{FF2B5EF4-FFF2-40B4-BE49-F238E27FC236}">
+                <a16:creationId xmlns:a16="http://schemas.microsoft.com/office/drawing/2014/main" id="{90F8CA56-6026-4026-B08E-14B9597E4435}"/>
+              </a:ext>
+            </a:extLst>
+          </p:cNvPr>
+          <p:cNvSpPr>
+            <a:spLocks noGrp="1"/>
+          </p:cNvSpPr>
+          <p:nvPr>
+            <p:ph idx="1"/>
+          </p:nvPr>
+        </p:nvSpPr>
+        <p:spPr/>
+        <p:txBody>
+          <a:bodyPr>
+            <a:normAutofit/>
+          </a:bodyPr>
+          <a:lstStyle/>
+          <a:p>
+            <a:pPr marL="0" indent="0">
+              <a:buNone/>
+            </a:pPr>
+            <a:r>
+              <a:rPr lang="en-IN" sz="3200" b="1" u="sng" dirty="0"/>
+              <a:t>Classes &amp; Widget for State Management</a:t>
+            </a:r>
+          </a:p>
+          <a:p>
+            <a:pPr marL="514350" indent="-514350">
+              <a:buFont typeface="+mj-lt"/>
+              <a:buAutoNum type="arabicPeriod"/>
+            </a:pPr>
+            <a:r>
+              <a:rPr lang="en-IN" sz="3200" dirty="0"/>
+              <a:t>ChangeNotifier Class</a:t>
+            </a:r>
+          </a:p>
+          <a:p>
+            <a:pPr lvl="1"/>
+            <a:r>
+              <a:rPr lang="en-IN" sz="2800" dirty="0">
+                <a:solidFill>
+                  <a:srgbClr val="231F20"/>
+                </a:solidFill>
+                <a:latin typeface="Cambria" panose="02040503050406030204" pitchFamily="18" charset="0"/>
+                <a:cs typeface="Mangal" panose="02040503050203030202" pitchFamily="18" charset="0"/>
+              </a:rPr>
+              <a:t>ChangeNotifier is a simple class included in the Flutter SDK which provides change notification to its listeners.</a:t>
+            </a:r>
+          </a:p>
+          <a:p>
+            <a:pPr lvl="1"/>
+            <a:r>
+              <a:rPr lang="en-IN" sz="2800" dirty="0">
+                <a:solidFill>
+                  <a:srgbClr val="231F20"/>
+                </a:solidFill>
+                <a:latin typeface="Cambria" panose="02040503050406030204" pitchFamily="18" charset="0"/>
+                <a:cs typeface="Mangal" panose="02040503050203030202" pitchFamily="18" charset="0"/>
+              </a:rPr>
+              <a:t>In other words, if something is a ChangeNotifier, you can subscribe to its changes.</a:t>
+            </a:r>
+          </a:p>
+          <a:p>
+            <a:pPr marL="514350" indent="-514350">
+              <a:buFont typeface="+mj-lt"/>
+              <a:buAutoNum type="arabicPeriod"/>
+            </a:pPr>
+            <a:r>
+              <a:rPr lang="en-IN" sz="3200" dirty="0"/>
+              <a:t>ChangeNotifierProvider Widget</a:t>
+            </a:r>
+          </a:p>
+          <a:p>
+            <a:pPr lvl="1"/>
+            <a:r>
+              <a:rPr lang="en-IN" sz="2800" dirty="0">
+                <a:solidFill>
+                  <a:srgbClr val="231F20"/>
+                </a:solidFill>
+                <a:latin typeface="Cambria" panose="02040503050406030204" pitchFamily="18" charset="0"/>
+                <a:cs typeface="Mangal" panose="02040503050203030202" pitchFamily="18" charset="0"/>
+              </a:rPr>
+              <a:t>ChangeNotifierProvider is the widget that provides an instance of a ChangeNotifier to its descendants. </a:t>
+            </a:r>
+          </a:p>
+          <a:p>
+            <a:pPr lvl="1"/>
+            <a:endParaRPr lang="en-IN" sz="2800" dirty="0">
+              <a:solidFill>
+                <a:srgbClr val="231F20"/>
+              </a:solidFill>
+              <a:latin typeface="Cambria" panose="02040503050406030204" pitchFamily="18" charset="0"/>
+              <a:cs typeface="Mangal" panose="02040503050203030202" pitchFamily="18" charset="0"/>
+            </a:endParaRPr>
+          </a:p>
+        </p:txBody>
+      </p:sp>
+    </p:spTree>
+    <p:extLst>
+      <p:ext uri="{BB962C8B-B14F-4D97-AF65-F5344CB8AC3E}">
+        <p14:creationId xmlns:p14="http://schemas.microsoft.com/office/powerpoint/2010/main" val="1316098042"/>
+      </p:ext>
+    </p:extLst>
+  </p:cSld>
+  <p:clrMapOvr>
+    <a:masterClrMapping/>
+  </p:clrMapOvr>
+</p:sld>
+</file>
+
+<file path=ppt/slides/slide12.xml><?xml version="1.0" encoding="utf-8"?>
+<p:sld xmlns:a="http://schemas.openxmlformats.org/drawingml/2006/main" xmlns:r="http://schemas.openxmlformats.org/officeDocument/2006/relationships" xmlns:p="http://schemas.openxmlformats.org/presentationml/2006/main">
+  <p:cSld>
+    <p:spTree>
+      <p:nvGrpSpPr>
+        <p:cNvPr id="1" name=""/>
+        <p:cNvGrpSpPr/>
+        <p:nvPr/>
+      </p:nvGrpSpPr>
+      <p:grpSpPr>
+        <a:xfrm>
+          <a:off x="0" y="0"/>
+          <a:ext cx="0" cy="0"/>
+          <a:chOff x="0" y="0"/>
+          <a:chExt cx="0" cy="0"/>
+        </a:xfrm>
+      </p:grpSpPr>
+      <p:sp>
+        <p:nvSpPr>
+          <p:cNvPr id="2" name="Title 1">
+            <a:extLst>
+              <a:ext uri="{FF2B5EF4-FFF2-40B4-BE49-F238E27FC236}">
+                <a16:creationId xmlns:a16="http://schemas.microsoft.com/office/drawing/2014/main" id="{078945BF-047F-4163-9CCE-0202B64CFA0C}"/>
+              </a:ext>
+            </a:extLst>
+          </p:cNvPr>
+          <p:cNvSpPr>
+            <a:spLocks noGrp="1"/>
+          </p:cNvSpPr>
+          <p:nvPr>
+            <p:ph type="title"/>
+          </p:nvPr>
+        </p:nvSpPr>
+        <p:spPr/>
+        <p:txBody>
+          <a:bodyPr/>
+          <a:lstStyle/>
+          <a:p>
+            <a:r>
+              <a:rPr lang="en-IN" b="1" dirty="0"/>
+              <a:t>Implementation </a:t>
+            </a:r>
+          </a:p>
+        </p:txBody>
+      </p:sp>
+      <p:pic>
+        <p:nvPicPr>
+          <p:cNvPr id="4" name="Picture 7">
+            <a:extLst>
+              <a:ext uri="{FF2B5EF4-FFF2-40B4-BE49-F238E27FC236}">
+                <a16:creationId xmlns:a16="http://schemas.microsoft.com/office/drawing/2014/main" id="{A3B6A24E-442E-4C40-ACD9-23E82280DC80}"/>
+              </a:ext>
+            </a:extLst>
+          </p:cNvPr>
+          <p:cNvPicPr>
+            <a:picLocks noChangeAspect="1" noChangeArrowheads="1"/>
+          </p:cNvPicPr>
+          <p:nvPr/>
+        </p:nvPicPr>
+        <p:blipFill>
+          <a:blip r:embed="rId2">
+            <a:extLst>
+              <a:ext uri="{28A0092B-C50C-407E-A947-70E740481C1C}">
+                <a14:useLocalDpi xmlns:a14="http://schemas.microsoft.com/office/drawing/2010/main" val="0"/>
+              </a:ext>
+            </a:extLst>
+          </a:blip>
+          <a:srcRect/>
+          <a:stretch>
+            <a:fillRect/>
+          </a:stretch>
+        </p:blipFill>
+        <p:spPr bwMode="auto">
+          <a:xfrm>
+            <a:off x="9725025" y="375443"/>
+            <a:ext cx="1628775" cy="1304925"/>
+          </a:xfrm>
+          <a:prstGeom prst="rect">
+            <a:avLst/>
+          </a:prstGeom>
+          <a:noFill/>
+          <a:extLst>
+            <a:ext uri="{909E8E84-426E-40DD-AFC4-6F175D3DCCD1}">
+              <a14:hiddenFill xmlns:a14="http://schemas.microsoft.com/office/drawing/2010/main">
+                <a:solidFill>
+                  <a:srgbClr val="FFFFFF"/>
+                </a:solidFill>
+              </a14:hiddenFill>
+            </a:ext>
+          </a:extLst>
+        </p:spPr>
+      </p:pic>
+      <p:sp>
+        <p:nvSpPr>
+          <p:cNvPr id="6" name="Content Placeholder 5">
+            <a:extLst>
+              <a:ext uri="{FF2B5EF4-FFF2-40B4-BE49-F238E27FC236}">
+                <a16:creationId xmlns:a16="http://schemas.microsoft.com/office/drawing/2014/main" id="{90F8CA56-6026-4026-B08E-14B9597E4435}"/>
+              </a:ext>
+            </a:extLst>
+          </p:cNvPr>
+          <p:cNvSpPr>
+            <a:spLocks noGrp="1"/>
+          </p:cNvSpPr>
+          <p:nvPr>
+            <p:ph idx="1"/>
+          </p:nvPr>
+        </p:nvSpPr>
+        <p:spPr/>
+        <p:txBody>
+          <a:bodyPr>
+            <a:normAutofit/>
+          </a:bodyPr>
+          <a:lstStyle/>
+          <a:p>
+            <a:pPr marL="0" indent="0">
+              <a:buNone/>
+            </a:pPr>
+            <a:r>
+              <a:rPr lang="en-IN" sz="3200" dirty="0"/>
+              <a:t>3.  Consumer Widget</a:t>
+            </a:r>
+          </a:p>
+          <a:p>
+            <a:pPr lvl="1"/>
+            <a:r>
+              <a:rPr lang="en-IN" sz="2800" dirty="0">
+                <a:solidFill>
+                  <a:srgbClr val="231F20"/>
+                </a:solidFill>
+                <a:latin typeface="Cambria" panose="02040503050406030204" pitchFamily="18" charset="0"/>
+                <a:cs typeface="Mangal" panose="02040503050203030202" pitchFamily="18" charset="0"/>
+              </a:rPr>
+              <a:t>Consumer is the widget that allows its descendent to subscribe and listen to the events of ChangeNotifier Object.</a:t>
+            </a:r>
+          </a:p>
+          <a:p>
+            <a:pPr marL="0" indent="0">
+              <a:buNone/>
+            </a:pPr>
+            <a:r>
+              <a:rPr lang="en-IN" sz="3200" dirty="0"/>
+              <a:t>4.  SharedPreference Class</a:t>
+            </a:r>
+          </a:p>
+          <a:p>
+            <a:pPr lvl="1"/>
+            <a:r>
+              <a:rPr lang="en-IN" sz="2800" dirty="0">
+                <a:solidFill>
+                  <a:srgbClr val="231F20"/>
+                </a:solidFill>
+                <a:latin typeface="Cambria" panose="02040503050406030204" pitchFamily="18" charset="0"/>
+                <a:cs typeface="Mangal" panose="02040503050203030202" pitchFamily="18" charset="0"/>
+              </a:rPr>
+              <a:t>Wraps platform-specific persistent storage for simple data.</a:t>
+            </a:r>
+          </a:p>
+          <a:p>
+            <a:pPr lvl="1"/>
+            <a:r>
+              <a:rPr lang="en-IN" sz="2800" dirty="0">
+                <a:solidFill>
+                  <a:srgbClr val="231F20"/>
+                </a:solidFill>
+                <a:latin typeface="Cambria" panose="02040503050406030204" pitchFamily="18" charset="0"/>
+                <a:cs typeface="Mangal" panose="02040503050203030202" pitchFamily="18" charset="0"/>
+              </a:rPr>
+              <a:t>Data may be persisted to disk asynchronously, and there is no guarantee that writes will be persisted to disk after returning.</a:t>
+            </a:r>
+          </a:p>
+          <a:p>
+            <a:pPr lvl="1"/>
+            <a:endParaRPr lang="en-IN" sz="2800" dirty="0">
+              <a:solidFill>
+                <a:srgbClr val="231F20"/>
+              </a:solidFill>
+              <a:latin typeface="Cambria" panose="02040503050406030204" pitchFamily="18" charset="0"/>
+              <a:cs typeface="Mangal" panose="02040503050203030202" pitchFamily="18" charset="0"/>
+            </a:endParaRPr>
+          </a:p>
+        </p:txBody>
+      </p:sp>
+    </p:spTree>
+    <p:extLst>
+      <p:ext uri="{BB962C8B-B14F-4D97-AF65-F5344CB8AC3E}">
+        <p14:creationId xmlns:p14="http://schemas.microsoft.com/office/powerpoint/2010/main" val="3143724785"/>
+      </p:ext>
+    </p:extLst>
+  </p:cSld>
+  <p:clrMapOvr>
+    <a:masterClrMapping/>
+  </p:clrMapOvr>
+</p:sld>
+</file>
+
+<file path=ppt/slides/slide13.xml><?xml version="1.0" encoding="utf-8"?>
+<p:sld xmlns:a="http://schemas.openxmlformats.org/drawingml/2006/main" xmlns:r="http://schemas.openxmlformats.org/officeDocument/2006/relationships" xmlns:p="http://schemas.openxmlformats.org/presentationml/2006/main">
+  <p:cSld>
+    <p:spTree>
+      <p:nvGrpSpPr>
+        <p:cNvPr id="1" name=""/>
+        <p:cNvGrpSpPr/>
+        <p:nvPr/>
+      </p:nvGrpSpPr>
+      <p:grpSpPr>
+        <a:xfrm>
+          <a:off x="0" y="0"/>
+          <a:ext cx="0" cy="0"/>
+          <a:chOff x="0" y="0"/>
+          <a:chExt cx="0" cy="0"/>
+        </a:xfrm>
+      </p:grpSpPr>
+      <p:sp>
+        <p:nvSpPr>
+          <p:cNvPr id="2" name="Title 1">
+            <a:extLst>
+              <a:ext uri="{FF2B5EF4-FFF2-40B4-BE49-F238E27FC236}">
+                <a16:creationId xmlns:a16="http://schemas.microsoft.com/office/drawing/2014/main" id="{078945BF-047F-4163-9CCE-0202B64CFA0C}"/>
+              </a:ext>
+            </a:extLst>
+          </p:cNvPr>
+          <p:cNvSpPr>
+            <a:spLocks noGrp="1"/>
+          </p:cNvSpPr>
+          <p:nvPr>
+            <p:ph type="title"/>
+          </p:nvPr>
+        </p:nvSpPr>
+        <p:spPr/>
+        <p:txBody>
+          <a:bodyPr/>
+          <a:lstStyle/>
+          <a:p>
+            <a:r>
+              <a:rPr lang="en-IN" b="1" dirty="0"/>
+              <a:t>Methodology </a:t>
+            </a:r>
+          </a:p>
+        </p:txBody>
+      </p:sp>
+      <p:pic>
+        <p:nvPicPr>
+          <p:cNvPr id="4" name="Picture 7">
+            <a:extLst>
+              <a:ext uri="{FF2B5EF4-FFF2-40B4-BE49-F238E27FC236}">
+                <a16:creationId xmlns:a16="http://schemas.microsoft.com/office/drawing/2014/main" id="{A3B6A24E-442E-4C40-ACD9-23E82280DC80}"/>
+              </a:ext>
+            </a:extLst>
+          </p:cNvPr>
+          <p:cNvPicPr>
+            <a:picLocks noChangeAspect="1" noChangeArrowheads="1"/>
+          </p:cNvPicPr>
+          <p:nvPr/>
+        </p:nvPicPr>
+        <p:blipFill>
+          <a:blip r:embed="rId2">
+            <a:extLst>
+              <a:ext uri="{28A0092B-C50C-407E-A947-70E740481C1C}">
+                <a14:useLocalDpi xmlns:a14="http://schemas.microsoft.com/office/drawing/2010/main" val="0"/>
+              </a:ext>
+            </a:extLst>
+          </a:blip>
+          <a:srcRect/>
+          <a:stretch>
+            <a:fillRect/>
+          </a:stretch>
+        </p:blipFill>
+        <p:spPr bwMode="auto">
+          <a:xfrm>
+            <a:off x="9725025" y="375443"/>
+            <a:ext cx="1628775" cy="1304925"/>
+          </a:xfrm>
+          <a:prstGeom prst="rect">
+            <a:avLst/>
+          </a:prstGeom>
+          <a:noFill/>
+          <a:extLst>
+            <a:ext uri="{909E8E84-426E-40DD-AFC4-6F175D3DCCD1}">
+              <a14:hiddenFill xmlns:a14="http://schemas.microsoft.com/office/drawing/2010/main">
+                <a:solidFill>
+                  <a:srgbClr val="FFFFFF"/>
+                </a:solidFill>
+              </a14:hiddenFill>
+            </a:ext>
+          </a:extLst>
+        </p:spPr>
+      </p:pic>
+      <p:sp>
+        <p:nvSpPr>
+          <p:cNvPr id="6" name="Content Placeholder 5">
+            <a:extLst>
+              <a:ext uri="{FF2B5EF4-FFF2-40B4-BE49-F238E27FC236}">
+                <a16:creationId xmlns:a16="http://schemas.microsoft.com/office/drawing/2014/main" id="{90F8CA56-6026-4026-B08E-14B9597E4435}"/>
+              </a:ext>
+            </a:extLst>
+          </p:cNvPr>
+          <p:cNvSpPr>
+            <a:spLocks noGrp="1"/>
+          </p:cNvSpPr>
+          <p:nvPr>
+            <p:ph idx="1"/>
+          </p:nvPr>
+        </p:nvSpPr>
+        <p:spPr>
+          <a:xfrm>
+            <a:off x="838200" y="1841668"/>
+            <a:ext cx="10515600" cy="4351338"/>
+          </a:xfrm>
+        </p:spPr>
+        <p:txBody>
+          <a:bodyPr>
+            <a:normAutofit/>
+          </a:bodyPr>
+          <a:lstStyle/>
+          <a:p>
+            <a:pPr marL="0" indent="0">
+              <a:buNone/>
+            </a:pPr>
+            <a:r>
+              <a:rPr lang="en-US" sz="2400" b="1" dirty="0">
+                <a:solidFill>
+                  <a:srgbClr val="000000"/>
+                </a:solidFill>
+                <a:latin typeface="Helvetica Neue"/>
+                <a:ea typeface="Arial Unicode MS"/>
+                <a:cs typeface="Arial Unicode MS"/>
+              </a:rPr>
+              <a:t>How State is managed in the application</a:t>
+            </a:r>
+            <a:r>
+              <a:rPr lang="en-US" sz="2400" b="1" dirty="0">
+                <a:ln>
+                  <a:noFill/>
+                </a:ln>
+                <a:solidFill>
+                  <a:srgbClr val="000000"/>
+                </a:solidFill>
+                <a:effectLst/>
+                <a:latin typeface="Helvetica Neue"/>
+                <a:ea typeface="Arial Unicode MS"/>
+                <a:cs typeface="Arial Unicode MS"/>
+              </a:rPr>
+              <a:t>?</a:t>
+            </a:r>
+            <a:endParaRPr lang="en-IN" sz="3600" dirty="0"/>
+          </a:p>
+          <a:p>
+            <a:pPr marL="0" indent="0">
+              <a:buNone/>
+            </a:pPr>
+            <a:endParaRPr lang="en-IN" dirty="0"/>
+          </a:p>
+        </p:txBody>
+      </p:sp>
+      <p:pic>
+        <p:nvPicPr>
+          <p:cNvPr id="5" name="Picture 4">
+            <a:extLst>
+              <a:ext uri="{FF2B5EF4-FFF2-40B4-BE49-F238E27FC236}">
+                <a16:creationId xmlns:a16="http://schemas.microsoft.com/office/drawing/2014/main" id="{281CE31E-A33C-40A3-93D4-E9B776113015}"/>
+              </a:ext>
+            </a:extLst>
+          </p:cNvPr>
+          <p:cNvPicPr>
+            <a:picLocks noChangeAspect="1"/>
+          </p:cNvPicPr>
+          <p:nvPr/>
+        </p:nvPicPr>
+        <p:blipFill>
+          <a:blip r:embed="rId3">
+            <a:extLst>
+              <a:ext uri="{28A0092B-C50C-407E-A947-70E740481C1C}">
+                <a14:useLocalDpi xmlns:a14="http://schemas.microsoft.com/office/drawing/2010/main" val="0"/>
+              </a:ext>
+            </a:extLst>
+          </a:blip>
+          <a:stretch>
+            <a:fillRect/>
+          </a:stretch>
+        </p:blipFill>
+        <p:spPr>
+          <a:xfrm>
+            <a:off x="3237431" y="2383006"/>
+            <a:ext cx="5267960" cy="3810000"/>
+          </a:xfrm>
+          <a:prstGeom prst="rect">
+            <a:avLst/>
+          </a:prstGeom>
+        </p:spPr>
+      </p:pic>
+    </p:spTree>
+    <p:extLst>
+      <p:ext uri="{BB962C8B-B14F-4D97-AF65-F5344CB8AC3E}">
+        <p14:creationId xmlns:p14="http://schemas.microsoft.com/office/powerpoint/2010/main" val="3508482917"/>
+      </p:ext>
+    </p:extLst>
+  </p:cSld>
+  <p:clrMapOvr>
+    <a:masterClrMapping/>
+  </p:clrMapOvr>
+</p:sld>
+</file>
+
+<file path=ppt/slides/slide14.xml><?xml version="1.0" encoding="utf-8"?>
+<p:sld xmlns:a="http://schemas.openxmlformats.org/drawingml/2006/main" xmlns:r="http://schemas.openxmlformats.org/officeDocument/2006/relationships" xmlns:p="http://schemas.openxmlformats.org/presentationml/2006/main">
+  <p:cSld>
+    <p:spTree>
+      <p:nvGrpSpPr>
+        <p:cNvPr id="1" name=""/>
+        <p:cNvGrpSpPr/>
+        <p:nvPr/>
+      </p:nvGrpSpPr>
+      <p:grpSpPr>
+        <a:xfrm>
+          <a:off x="0" y="0"/>
+          <a:ext cx="0" cy="0"/>
+          <a:chOff x="0" y="0"/>
+          <a:chExt cx="0" cy="0"/>
+        </a:xfrm>
+      </p:grpSpPr>
+      <p:sp>
+        <p:nvSpPr>
+          <p:cNvPr id="2" name="Title 1">
+            <a:extLst>
+              <a:ext uri="{FF2B5EF4-FFF2-40B4-BE49-F238E27FC236}">
+                <a16:creationId xmlns:a16="http://schemas.microsoft.com/office/drawing/2014/main" id="{078945BF-047F-4163-9CCE-0202B64CFA0C}"/>
+              </a:ext>
+            </a:extLst>
+          </p:cNvPr>
+          <p:cNvSpPr>
+            <a:spLocks noGrp="1"/>
+          </p:cNvSpPr>
+          <p:nvPr>
+            <p:ph type="title"/>
+          </p:nvPr>
+        </p:nvSpPr>
+        <p:spPr/>
+        <p:txBody>
+          <a:bodyPr/>
+          <a:lstStyle/>
+          <a:p>
+            <a:r>
+              <a:rPr lang="en-IN" b="1" dirty="0"/>
+              <a:t>Implementation </a:t>
+            </a:r>
+          </a:p>
+        </p:txBody>
+      </p:sp>
+      <p:pic>
+        <p:nvPicPr>
+          <p:cNvPr id="4" name="Picture 7">
+            <a:extLst>
+              <a:ext uri="{FF2B5EF4-FFF2-40B4-BE49-F238E27FC236}">
+                <a16:creationId xmlns:a16="http://schemas.microsoft.com/office/drawing/2014/main" id="{A3B6A24E-442E-4C40-ACD9-23E82280DC80}"/>
+              </a:ext>
+            </a:extLst>
+          </p:cNvPr>
+          <p:cNvPicPr>
+            <a:picLocks noChangeAspect="1" noChangeArrowheads="1"/>
+          </p:cNvPicPr>
+          <p:nvPr/>
+        </p:nvPicPr>
+        <p:blipFill>
+          <a:blip r:embed="rId2">
+            <a:extLst>
+              <a:ext uri="{28A0092B-C50C-407E-A947-70E740481C1C}">
+                <a14:useLocalDpi xmlns:a14="http://schemas.microsoft.com/office/drawing/2010/main" val="0"/>
+              </a:ext>
+            </a:extLst>
+          </a:blip>
+          <a:srcRect/>
+          <a:stretch>
+            <a:fillRect/>
+          </a:stretch>
+        </p:blipFill>
+        <p:spPr bwMode="auto">
+          <a:xfrm>
+            <a:off x="9725025" y="375443"/>
+            <a:ext cx="1628775" cy="1304925"/>
+          </a:xfrm>
+          <a:prstGeom prst="rect">
+            <a:avLst/>
+          </a:prstGeom>
+          <a:noFill/>
+          <a:extLst>
+            <a:ext uri="{909E8E84-426E-40DD-AFC4-6F175D3DCCD1}">
+              <a14:hiddenFill xmlns:a14="http://schemas.microsoft.com/office/drawing/2010/main">
+                <a:solidFill>
+                  <a:srgbClr val="FFFFFF"/>
+                </a:solidFill>
+              </a14:hiddenFill>
+            </a:ext>
+          </a:extLst>
+        </p:spPr>
+      </p:pic>
+      <p:sp>
+        <p:nvSpPr>
+          <p:cNvPr id="6" name="Content Placeholder 5">
+            <a:extLst>
+              <a:ext uri="{FF2B5EF4-FFF2-40B4-BE49-F238E27FC236}">
+                <a16:creationId xmlns:a16="http://schemas.microsoft.com/office/drawing/2014/main" id="{90F8CA56-6026-4026-B08E-14B9597E4435}"/>
+              </a:ext>
+            </a:extLst>
+          </p:cNvPr>
+          <p:cNvSpPr>
+            <a:spLocks noGrp="1"/>
+          </p:cNvSpPr>
+          <p:nvPr>
+            <p:ph idx="1"/>
+          </p:nvPr>
+        </p:nvSpPr>
+        <p:spPr/>
+        <p:txBody>
+          <a:bodyPr/>
+          <a:lstStyle/>
+          <a:p>
+            <a:pPr marL="0" indent="0">
+              <a:buNone/>
+            </a:pPr>
+            <a:r>
+              <a:rPr lang="en-US" sz="2400" b="1" u="sng" dirty="0">
+                <a:solidFill>
+                  <a:srgbClr val="000000"/>
+                </a:solidFill>
+                <a:latin typeface="Helvetica Neue"/>
+              </a:rPr>
+              <a:t>Components in the Application</a:t>
+            </a:r>
+            <a:endParaRPr lang="en-IN" sz="3600" u="sng" dirty="0"/>
+          </a:p>
+          <a:p>
+            <a:pPr marL="0" indent="0">
+              <a:buNone/>
+            </a:pPr>
+            <a:endParaRPr lang="en-IN" dirty="0"/>
+          </a:p>
+        </p:txBody>
+      </p:sp>
+      <p:pic>
+        <p:nvPicPr>
+          <p:cNvPr id="5" name="Picture 4">
+            <a:extLst>
+              <a:ext uri="{FF2B5EF4-FFF2-40B4-BE49-F238E27FC236}">
+                <a16:creationId xmlns:a16="http://schemas.microsoft.com/office/drawing/2014/main" id="{A8E142EB-207F-4EDC-94B3-895B05B55144}"/>
+              </a:ext>
+            </a:extLst>
+          </p:cNvPr>
+          <p:cNvPicPr>
+            <a:picLocks noChangeAspect="1"/>
+          </p:cNvPicPr>
+          <p:nvPr/>
+        </p:nvPicPr>
+        <p:blipFill>
+          <a:blip r:embed="rId3">
+            <a:extLst>
+              <a:ext uri="{28A0092B-C50C-407E-A947-70E740481C1C}">
+                <a14:useLocalDpi xmlns:a14="http://schemas.microsoft.com/office/drawing/2010/main" val="0"/>
+              </a:ext>
+            </a:extLst>
+          </a:blip>
+          <a:stretch>
+            <a:fillRect/>
+          </a:stretch>
+        </p:blipFill>
+        <p:spPr>
+          <a:xfrm>
+            <a:off x="2051118" y="2600139"/>
+            <a:ext cx="7938663" cy="2904368"/>
+          </a:xfrm>
+          <a:prstGeom prst="rect">
+            <a:avLst/>
+          </a:prstGeom>
+        </p:spPr>
+      </p:pic>
+    </p:spTree>
+    <p:extLst>
+      <p:ext uri="{BB962C8B-B14F-4D97-AF65-F5344CB8AC3E}">
+        <p14:creationId xmlns:p14="http://schemas.microsoft.com/office/powerpoint/2010/main" val="2574707920"/>
+      </p:ext>
+    </p:extLst>
+  </p:cSld>
+  <p:clrMapOvr>
+    <a:masterClrMapping/>
+  </p:clrMapOvr>
+</p:sld>
+</file>
+
+<file path=ppt/slides/slide15.xml><?xml version="1.0" encoding="utf-8"?>
+<p:sld xmlns:a="http://schemas.openxmlformats.org/drawingml/2006/main" xmlns:r="http://schemas.openxmlformats.org/officeDocument/2006/relationships" xmlns:p="http://schemas.openxmlformats.org/presentationml/2006/main">
+  <p:cSld>
+    <p:spTree>
+      <p:nvGrpSpPr>
+        <p:cNvPr id="1" name=""/>
+        <p:cNvGrpSpPr/>
+        <p:nvPr/>
+      </p:nvGrpSpPr>
+      <p:grpSpPr>
+        <a:xfrm>
+          <a:off x="0" y="0"/>
+          <a:ext cx="0" cy="0"/>
+          <a:chOff x="0" y="0"/>
+          <a:chExt cx="0" cy="0"/>
+        </a:xfrm>
+      </p:grpSpPr>
+      <p:sp>
+        <p:nvSpPr>
+          <p:cNvPr id="2" name="Title 1">
+            <a:extLst>
+              <a:ext uri="{FF2B5EF4-FFF2-40B4-BE49-F238E27FC236}">
+                <a16:creationId xmlns:a16="http://schemas.microsoft.com/office/drawing/2014/main" id="{078945BF-047F-4163-9CCE-0202B64CFA0C}"/>
+              </a:ext>
+            </a:extLst>
+          </p:cNvPr>
+          <p:cNvSpPr>
+            <a:spLocks noGrp="1"/>
+          </p:cNvSpPr>
+          <p:nvPr>
+            <p:ph type="title"/>
+          </p:nvPr>
+        </p:nvSpPr>
+        <p:spPr/>
+        <p:txBody>
+          <a:bodyPr/>
+          <a:lstStyle/>
+          <a:p>
+            <a:r>
+              <a:rPr lang="en-IN" b="1" dirty="0"/>
+              <a:t>Implementation </a:t>
+            </a:r>
+          </a:p>
+        </p:txBody>
+      </p:sp>
+      <p:pic>
+        <p:nvPicPr>
+          <p:cNvPr id="4" name="Picture 7">
+            <a:extLst>
+              <a:ext uri="{FF2B5EF4-FFF2-40B4-BE49-F238E27FC236}">
+                <a16:creationId xmlns:a16="http://schemas.microsoft.com/office/drawing/2014/main" id="{A3B6A24E-442E-4C40-ACD9-23E82280DC80}"/>
+              </a:ext>
+            </a:extLst>
+          </p:cNvPr>
+          <p:cNvPicPr>
+            <a:picLocks noChangeAspect="1" noChangeArrowheads="1"/>
+          </p:cNvPicPr>
+          <p:nvPr/>
+        </p:nvPicPr>
+        <p:blipFill>
+          <a:blip r:embed="rId2">
+            <a:extLst>
+              <a:ext uri="{28A0092B-C50C-407E-A947-70E740481C1C}">
+                <a14:useLocalDpi xmlns:a14="http://schemas.microsoft.com/office/drawing/2010/main" val="0"/>
+              </a:ext>
+            </a:extLst>
+          </a:blip>
+          <a:srcRect/>
+          <a:stretch>
+            <a:fillRect/>
+          </a:stretch>
+        </p:blipFill>
+        <p:spPr bwMode="auto">
+          <a:xfrm>
+            <a:off x="9725025" y="375443"/>
+            <a:ext cx="1628775" cy="1304925"/>
+          </a:xfrm>
+          <a:prstGeom prst="rect">
+            <a:avLst/>
+          </a:prstGeom>
+          <a:noFill/>
+          <a:extLst>
+            <a:ext uri="{909E8E84-426E-40DD-AFC4-6F175D3DCCD1}">
+              <a14:hiddenFill xmlns:a14="http://schemas.microsoft.com/office/drawing/2010/main">
+                <a:solidFill>
+                  <a:srgbClr val="FFFFFF"/>
+                </a:solidFill>
+              </a14:hiddenFill>
+            </a:ext>
+          </a:extLst>
+        </p:spPr>
+      </p:pic>
+      <p:pic>
+        <p:nvPicPr>
+          <p:cNvPr id="7" name="Content Placeholder 6">
+            <a:extLst>
+              <a:ext uri="{FF2B5EF4-FFF2-40B4-BE49-F238E27FC236}">
+                <a16:creationId xmlns:a16="http://schemas.microsoft.com/office/drawing/2014/main" id="{B84B7A16-324E-4EC5-AD61-0E939F682CD7}"/>
+              </a:ext>
+            </a:extLst>
+          </p:cNvPr>
+          <p:cNvPicPr>
+            <a:picLocks noGrp="1" noChangeAspect="1"/>
+          </p:cNvPicPr>
+          <p:nvPr>
+            <p:ph idx="1"/>
+          </p:nvPr>
+        </p:nvPicPr>
+        <p:blipFill>
+          <a:blip r:embed="rId3">
+            <a:extLst>
+              <a:ext uri="{28A0092B-C50C-407E-A947-70E740481C1C}">
+                <a14:useLocalDpi xmlns:a14="http://schemas.microsoft.com/office/drawing/2010/main" val="0"/>
+              </a:ext>
+            </a:extLst>
+          </a:blip>
+          <a:stretch>
+            <a:fillRect/>
+          </a:stretch>
+        </p:blipFill>
+        <p:spPr>
+          <a:xfrm>
+            <a:off x="2157624" y="1690688"/>
+            <a:ext cx="7163169" cy="4500338"/>
+          </a:xfrm>
+          <a:prstGeom prst="rect">
+            <a:avLst/>
+          </a:prstGeom>
+        </p:spPr>
+      </p:pic>
+    </p:spTree>
+    <p:extLst>
+      <p:ext uri="{BB962C8B-B14F-4D97-AF65-F5344CB8AC3E}">
+        <p14:creationId xmlns:p14="http://schemas.microsoft.com/office/powerpoint/2010/main" val="1089299602"/>
+      </p:ext>
+    </p:extLst>
+  </p:cSld>
+  <p:clrMapOvr>
+    <a:masterClrMapping/>
+  </p:clrMapOvr>
+</p:sld>
+</file>
+
+<file path=ppt/slides/slide16.xml><?xml version="1.0" encoding="utf-8"?>
+<p:sld xmlns:a="http://schemas.openxmlformats.org/drawingml/2006/main" xmlns:r="http://schemas.openxmlformats.org/officeDocument/2006/relationships" xmlns:p="http://schemas.openxmlformats.org/presentationml/2006/main">
+  <p:cSld>
+    <p:spTree>
+      <p:nvGrpSpPr>
+        <p:cNvPr id="1" name=""/>
+        <p:cNvGrpSpPr/>
+        <p:nvPr/>
+      </p:nvGrpSpPr>
+      <p:grpSpPr>
+        <a:xfrm>
+          <a:off x="0" y="0"/>
+          <a:ext cx="0" cy="0"/>
+          <a:chOff x="0" y="0"/>
+          <a:chExt cx="0" cy="0"/>
+        </a:xfrm>
+      </p:grpSpPr>
+      <p:sp>
+        <p:nvSpPr>
+          <p:cNvPr id="2" name="Title 1">
+            <a:extLst>
+              <a:ext uri="{FF2B5EF4-FFF2-40B4-BE49-F238E27FC236}">
+                <a16:creationId xmlns:a16="http://schemas.microsoft.com/office/drawing/2014/main" id="{078945BF-047F-4163-9CCE-0202B64CFA0C}"/>
+              </a:ext>
+            </a:extLst>
+          </p:cNvPr>
+          <p:cNvSpPr>
+            <a:spLocks noGrp="1"/>
+          </p:cNvSpPr>
+          <p:nvPr>
+            <p:ph type="title"/>
+          </p:nvPr>
+        </p:nvSpPr>
+        <p:spPr/>
+        <p:txBody>
+          <a:bodyPr/>
+          <a:lstStyle/>
+          <a:p>
+            <a:r>
+              <a:rPr lang="en-IN" b="1" dirty="0"/>
+              <a:t>Implementation </a:t>
+            </a:r>
+          </a:p>
+        </p:txBody>
+      </p:sp>
+      <p:pic>
+        <p:nvPicPr>
+          <p:cNvPr id="4" name="Picture 7">
+            <a:extLst>
+              <a:ext uri="{FF2B5EF4-FFF2-40B4-BE49-F238E27FC236}">
+                <a16:creationId xmlns:a16="http://schemas.microsoft.com/office/drawing/2014/main" id="{A3B6A24E-442E-4C40-ACD9-23E82280DC80}"/>
+              </a:ext>
+            </a:extLst>
+          </p:cNvPr>
+          <p:cNvPicPr>
+            <a:picLocks noChangeAspect="1" noChangeArrowheads="1"/>
+          </p:cNvPicPr>
+          <p:nvPr/>
+        </p:nvPicPr>
+        <p:blipFill>
+          <a:blip r:embed="rId2">
+            <a:extLst>
+              <a:ext uri="{28A0092B-C50C-407E-A947-70E740481C1C}">
+                <a14:useLocalDpi xmlns:a14="http://schemas.microsoft.com/office/drawing/2010/main" val="0"/>
+              </a:ext>
+            </a:extLst>
+          </a:blip>
+          <a:srcRect/>
+          <a:stretch>
+            <a:fillRect/>
+          </a:stretch>
+        </p:blipFill>
+        <p:spPr bwMode="auto">
+          <a:xfrm>
+            <a:off x="9725025" y="375443"/>
+            <a:ext cx="1628775" cy="1304925"/>
+          </a:xfrm>
+          <a:prstGeom prst="rect">
+            <a:avLst/>
+          </a:prstGeom>
+          <a:noFill/>
+          <a:extLst>
+            <a:ext uri="{909E8E84-426E-40DD-AFC4-6F175D3DCCD1}">
+              <a14:hiddenFill xmlns:a14="http://schemas.microsoft.com/office/drawing/2010/main">
+                <a:solidFill>
+                  <a:srgbClr val="FFFFFF"/>
+                </a:solidFill>
+              </a14:hiddenFill>
+            </a:ext>
+          </a:extLst>
+        </p:spPr>
+      </p:pic>
+      <p:sp>
+        <p:nvSpPr>
+          <p:cNvPr id="5" name="Content Placeholder 4">
+            <a:extLst>
+              <a:ext uri="{FF2B5EF4-FFF2-40B4-BE49-F238E27FC236}">
+                <a16:creationId xmlns:a16="http://schemas.microsoft.com/office/drawing/2014/main" id="{85AA4514-DEED-408F-8FBC-D09689ECD7E8}"/>
+              </a:ext>
+            </a:extLst>
+          </p:cNvPr>
+          <p:cNvSpPr>
+            <a:spLocks noGrp="1"/>
+          </p:cNvSpPr>
+          <p:nvPr>
+            <p:ph idx="1"/>
+          </p:nvPr>
+        </p:nvSpPr>
+        <p:spPr/>
+        <p:txBody>
+          <a:bodyPr>
+            <a:normAutofit/>
+          </a:bodyPr>
+          <a:lstStyle/>
+          <a:p>
+            <a:pPr marL="0" indent="0" algn="just">
+              <a:spcBef>
+                <a:spcPts val="1170"/>
+              </a:spcBef>
+              <a:buNone/>
+              <a:tabLst>
+                <a:tab pos="842645" algn="l"/>
+                <a:tab pos="843280" algn="l"/>
+              </a:tabLst>
+            </a:pPr>
+            <a:r>
+              <a:rPr lang="en-IN" b="1" dirty="0">
+                <a:solidFill>
+                  <a:srgbClr val="231F20"/>
+                </a:solidFill>
+                <a:effectLst/>
+                <a:latin typeface="Cambria" panose="02040503050406030204" pitchFamily="18" charset="0"/>
+                <a:ea typeface="Times New Roman" panose="02020603050405020304" pitchFamily="18" charset="0"/>
+                <a:cs typeface="Mangal" panose="02040503050203030202" pitchFamily="18" charset="0"/>
+              </a:rPr>
+              <a:t>Explanation</a:t>
+            </a:r>
+            <a:endParaRPr lang="en-IN" dirty="0">
+              <a:effectLst/>
+              <a:latin typeface="Cambria" panose="02040503050406030204" pitchFamily="18" charset="0"/>
+              <a:ea typeface="Times New Roman" panose="02020603050405020304" pitchFamily="18" charset="0"/>
+              <a:cs typeface="Mangal" panose="02040503050203030202" pitchFamily="18" charset="0"/>
+            </a:endParaRPr>
+          </a:p>
+          <a:p>
+            <a:pPr marL="342900" lvl="0" indent="-342900">
+              <a:spcBef>
+                <a:spcPts val="1170"/>
+              </a:spcBef>
+              <a:buFont typeface="Symbol" panose="05050102010706020507" pitchFamily="18" charset="2"/>
+              <a:buChar char=""/>
+              <a:tabLst>
+                <a:tab pos="842645" algn="l"/>
+                <a:tab pos="843280" algn="l"/>
+                <a:tab pos="5379720" algn="l"/>
+              </a:tabLst>
+            </a:pPr>
+            <a:r>
+              <a:rPr lang="en-IN" dirty="0">
+                <a:solidFill>
+                  <a:srgbClr val="231F20"/>
+                </a:solidFill>
+                <a:effectLst/>
+                <a:latin typeface="Cambria" panose="02040503050406030204" pitchFamily="18" charset="0"/>
+                <a:ea typeface="Times New Roman" panose="02020603050405020304" pitchFamily="18" charset="0"/>
+                <a:cs typeface="Mangal" panose="02040503050203030202" pitchFamily="18" charset="0"/>
+              </a:rPr>
+              <a:t>App Component has Navigation Controller which controls the navigation of screens-Login, PDF, Preload, Report, and WebView.</a:t>
+            </a:r>
+            <a:endParaRPr lang="en-IN" dirty="0">
+              <a:effectLst/>
+              <a:latin typeface="Cambria" panose="02040503050406030204" pitchFamily="18" charset="0"/>
+              <a:ea typeface="Times New Roman" panose="02020603050405020304" pitchFamily="18" charset="0"/>
+              <a:cs typeface="Mangal" panose="02040503050203030202" pitchFamily="18" charset="0"/>
+            </a:endParaRPr>
+          </a:p>
+          <a:p>
+            <a:pPr marL="342900" lvl="0" indent="-342900">
+              <a:spcBef>
+                <a:spcPts val="1170"/>
+              </a:spcBef>
+              <a:buFont typeface="Symbol" panose="05050102010706020507" pitchFamily="18" charset="2"/>
+              <a:buChar char=""/>
+              <a:tabLst>
+                <a:tab pos="842645" algn="l"/>
+                <a:tab pos="843280" algn="l"/>
+                <a:tab pos="5379720" algn="l"/>
+              </a:tabLst>
+            </a:pPr>
+            <a:r>
+              <a:rPr lang="en-IN" dirty="0">
+                <a:solidFill>
+                  <a:srgbClr val="231F20"/>
+                </a:solidFill>
+                <a:effectLst/>
+                <a:latin typeface="Cambria" panose="02040503050406030204" pitchFamily="18" charset="0"/>
+                <a:ea typeface="Times New Roman" panose="02020603050405020304" pitchFamily="18" charset="0"/>
+                <a:cs typeface="Mangal" panose="02040503050203030202" pitchFamily="18" charset="0"/>
+              </a:rPr>
+              <a:t>Report has BottomNavigation Controller which controls the tabs-Job, Profile, Special, and Statistic</a:t>
+            </a:r>
+            <a:endParaRPr lang="en-IN" dirty="0">
+              <a:effectLst/>
+              <a:latin typeface="Cambria" panose="02040503050406030204" pitchFamily="18" charset="0"/>
+              <a:ea typeface="Times New Roman" panose="02020603050405020304" pitchFamily="18" charset="0"/>
+              <a:cs typeface="Mangal" panose="02040503050203030202" pitchFamily="18" charset="0"/>
+            </a:endParaRPr>
+          </a:p>
+          <a:p>
+            <a:pPr marL="342900" lvl="0" indent="-342900">
+              <a:spcBef>
+                <a:spcPts val="1170"/>
+              </a:spcBef>
+              <a:buFont typeface="Symbol" panose="05050102010706020507" pitchFamily="18" charset="2"/>
+              <a:buChar char=""/>
+              <a:tabLst>
+                <a:tab pos="842645" algn="l"/>
+                <a:tab pos="843280" algn="l"/>
+                <a:tab pos="5379720" algn="l"/>
+              </a:tabLst>
+            </a:pPr>
+            <a:r>
+              <a:rPr lang="en-IN" dirty="0">
+                <a:solidFill>
+                  <a:srgbClr val="231F20"/>
+                </a:solidFill>
+                <a:effectLst/>
+                <a:latin typeface="Cambria" panose="02040503050406030204" pitchFamily="18" charset="0"/>
+                <a:ea typeface="Times New Roman" panose="02020603050405020304" pitchFamily="18" charset="0"/>
+                <a:cs typeface="Mangal" panose="02040503050203030202" pitchFamily="18" charset="0"/>
+              </a:rPr>
+              <a:t>Report also has a controller for Sidebar(Sidebar Component not shown in diagram)</a:t>
+            </a:r>
+            <a:endParaRPr lang="en-IN" dirty="0">
+              <a:effectLst/>
+              <a:latin typeface="Cambria" panose="02040503050406030204" pitchFamily="18" charset="0"/>
+              <a:ea typeface="Times New Roman" panose="02020603050405020304" pitchFamily="18" charset="0"/>
+              <a:cs typeface="Mangal" panose="02040503050203030202" pitchFamily="18" charset="0"/>
+            </a:endParaRPr>
+          </a:p>
+          <a:p>
+            <a:pPr marL="0" indent="0">
+              <a:buNone/>
+            </a:pPr>
+            <a:endParaRPr lang="en-IN" sz="4000" dirty="0"/>
+          </a:p>
+        </p:txBody>
+      </p:sp>
+    </p:spTree>
+    <p:extLst>
+      <p:ext uri="{BB962C8B-B14F-4D97-AF65-F5344CB8AC3E}">
+        <p14:creationId xmlns:p14="http://schemas.microsoft.com/office/powerpoint/2010/main" val="3280569476"/>
+      </p:ext>
+    </p:extLst>
+  </p:cSld>
+  <p:clrMapOvr>
+    <a:masterClrMapping/>
+  </p:clrMapOvr>
+</p:sld>
+</file>
+
+<file path=ppt/slides/slide17.xml><?xml version="1.0" encoding="utf-8"?>
+<p:sld xmlns:a="http://schemas.openxmlformats.org/drawingml/2006/main" xmlns:r="http://schemas.openxmlformats.org/officeDocument/2006/relationships" xmlns:p="http://schemas.openxmlformats.org/presentationml/2006/main">
+  <p:cSld>
+    <p:spTree>
+      <p:nvGrpSpPr>
+        <p:cNvPr id="1" name=""/>
+        <p:cNvGrpSpPr/>
+        <p:nvPr/>
+      </p:nvGrpSpPr>
+      <p:grpSpPr>
+        <a:xfrm>
+          <a:off x="0" y="0"/>
+          <a:ext cx="0" cy="0"/>
+          <a:chOff x="0" y="0"/>
+          <a:chExt cx="0" cy="0"/>
+        </a:xfrm>
+      </p:grpSpPr>
+      <p:sp>
+        <p:nvSpPr>
+          <p:cNvPr id="2" name="Title 1">
+            <a:extLst>
+              <a:ext uri="{FF2B5EF4-FFF2-40B4-BE49-F238E27FC236}">
+                <a16:creationId xmlns:a16="http://schemas.microsoft.com/office/drawing/2014/main" id="{078945BF-047F-4163-9CCE-0202B64CFA0C}"/>
+              </a:ext>
+            </a:extLst>
+          </p:cNvPr>
+          <p:cNvSpPr>
+            <a:spLocks noGrp="1"/>
+          </p:cNvSpPr>
+          <p:nvPr>
+            <p:ph type="title"/>
+          </p:nvPr>
+        </p:nvSpPr>
+        <p:spPr/>
+        <p:txBody>
+          <a:bodyPr/>
+          <a:lstStyle/>
+          <a:p>
+            <a:r>
+              <a:rPr lang="en-IN" b="1" dirty="0"/>
+              <a:t>Result and Analysis  </a:t>
+            </a:r>
+          </a:p>
+        </p:txBody>
+      </p:sp>
+      <p:pic>
+        <p:nvPicPr>
+          <p:cNvPr id="4" name="Picture 7">
+            <a:extLst>
+              <a:ext uri="{FF2B5EF4-FFF2-40B4-BE49-F238E27FC236}">
+                <a16:creationId xmlns:a16="http://schemas.microsoft.com/office/drawing/2014/main" id="{A3B6A24E-442E-4C40-ACD9-23E82280DC80}"/>
+              </a:ext>
+            </a:extLst>
+          </p:cNvPr>
+          <p:cNvPicPr>
+            <a:picLocks noChangeAspect="1" noChangeArrowheads="1"/>
+          </p:cNvPicPr>
+          <p:nvPr/>
+        </p:nvPicPr>
+        <p:blipFill>
+          <a:blip r:embed="rId2">
+            <a:extLst>
+              <a:ext uri="{28A0092B-C50C-407E-A947-70E740481C1C}">
+                <a14:useLocalDpi xmlns:a14="http://schemas.microsoft.com/office/drawing/2010/main" val="0"/>
+              </a:ext>
+            </a:extLst>
+          </a:blip>
+          <a:srcRect/>
+          <a:stretch>
+            <a:fillRect/>
+          </a:stretch>
+        </p:blipFill>
+        <p:spPr bwMode="auto">
+          <a:xfrm>
+            <a:off x="9725025" y="375443"/>
+            <a:ext cx="1628775" cy="1304925"/>
+          </a:xfrm>
+          <a:prstGeom prst="rect">
+            <a:avLst/>
+          </a:prstGeom>
+          <a:noFill/>
+          <a:extLst>
+            <a:ext uri="{909E8E84-426E-40DD-AFC4-6F175D3DCCD1}">
+              <a14:hiddenFill xmlns:a14="http://schemas.microsoft.com/office/drawing/2010/main">
+                <a:solidFill>
+                  <a:srgbClr val="FFFFFF"/>
+                </a:solidFill>
+              </a14:hiddenFill>
+            </a:ext>
+          </a:extLst>
+        </p:spPr>
+      </p:pic>
+      <p:sp>
+        <p:nvSpPr>
+          <p:cNvPr id="6" name="Content Placeholder 5">
+            <a:extLst>
+              <a:ext uri="{FF2B5EF4-FFF2-40B4-BE49-F238E27FC236}">
+                <a16:creationId xmlns:a16="http://schemas.microsoft.com/office/drawing/2014/main" id="{90F8CA56-6026-4026-B08E-14B9597E4435}"/>
+              </a:ext>
+            </a:extLst>
+          </p:cNvPr>
+          <p:cNvSpPr>
+            <a:spLocks noGrp="1"/>
+          </p:cNvSpPr>
+          <p:nvPr>
+            <p:ph idx="1"/>
+          </p:nvPr>
+        </p:nvSpPr>
+        <p:spPr/>
+        <p:txBody>
+          <a:bodyPr>
+            <a:normAutofit/>
+          </a:bodyPr>
+          <a:lstStyle/>
+          <a:p>
+            <a:r>
+              <a:rPr lang="en-IN" dirty="0"/>
+              <a:t>We have created the Graphical User Interface of the application strategically so that users can view important statistics at first. </a:t>
+            </a:r>
+          </a:p>
+          <a:p>
+            <a:r>
+              <a:rPr lang="en-IN" dirty="0"/>
+              <a:t>There are warning present in the application that is due to null-safety of flutter.</a:t>
+            </a:r>
+          </a:p>
+          <a:p>
+            <a:r>
+              <a:rPr lang="en-IN" dirty="0"/>
+              <a:t> We can assure you that it will not affect the performance and user experience.</a:t>
+            </a:r>
+          </a:p>
+          <a:p>
+            <a:r>
+              <a:rPr lang="en-IN" dirty="0"/>
+              <a:t> Our application may experience a few bugs as it is still in the testing phase, which will be solved gradually with updates.</a:t>
+            </a:r>
+          </a:p>
+          <a:p>
+            <a:endParaRPr lang="en-IN" dirty="0"/>
+          </a:p>
+        </p:txBody>
+      </p:sp>
+    </p:spTree>
+    <p:extLst>
+      <p:ext uri="{BB962C8B-B14F-4D97-AF65-F5344CB8AC3E}">
+        <p14:creationId xmlns:p14="http://schemas.microsoft.com/office/powerpoint/2010/main" val="448832388"/>
+      </p:ext>
+    </p:extLst>
+  </p:cSld>
+  <p:clrMapOvr>
+    <a:masterClrMapping/>
+  </p:clrMapOvr>
+</p:sld>
+</file>
+
+<file path=ppt/slides/slide18.xml><?xml version="1.0" encoding="utf-8"?>
+<p:sld xmlns:a="http://schemas.openxmlformats.org/drawingml/2006/main" xmlns:r="http://schemas.openxmlformats.org/officeDocument/2006/relationships" xmlns:p="http://schemas.openxmlformats.org/presentationml/2006/main">
+  <p:cSld>
+    <p:spTree>
+      <p:nvGrpSpPr>
+        <p:cNvPr id="1" name=""/>
+        <p:cNvGrpSpPr/>
+        <p:nvPr/>
+      </p:nvGrpSpPr>
+      <p:grpSpPr>
+        <a:xfrm>
+          <a:off x="0" y="0"/>
+          <a:ext cx="0" cy="0"/>
+          <a:chOff x="0" y="0"/>
+          <a:chExt cx="0" cy="0"/>
+        </a:xfrm>
+      </p:grpSpPr>
+      <p:sp>
+        <p:nvSpPr>
+          <p:cNvPr id="2" name="Title 1">
+            <a:extLst>
+              <a:ext uri="{FF2B5EF4-FFF2-40B4-BE49-F238E27FC236}">
+                <a16:creationId xmlns:a16="http://schemas.microsoft.com/office/drawing/2014/main" id="{078945BF-047F-4163-9CCE-0202B64CFA0C}"/>
+              </a:ext>
+            </a:extLst>
+          </p:cNvPr>
+          <p:cNvSpPr>
+            <a:spLocks noGrp="1"/>
+          </p:cNvSpPr>
+          <p:nvPr>
+            <p:ph type="title"/>
+          </p:nvPr>
+        </p:nvSpPr>
+        <p:spPr/>
+        <p:txBody>
+          <a:bodyPr/>
+          <a:lstStyle/>
+          <a:p>
+            <a:r>
+              <a:rPr lang="en-IN" b="1" dirty="0"/>
+              <a:t>Conclusion</a:t>
+            </a:r>
+          </a:p>
+        </p:txBody>
+      </p:sp>
+      <p:pic>
+        <p:nvPicPr>
+          <p:cNvPr id="4" name="Picture 7">
+            <a:extLst>
+              <a:ext uri="{FF2B5EF4-FFF2-40B4-BE49-F238E27FC236}">
+                <a16:creationId xmlns:a16="http://schemas.microsoft.com/office/drawing/2014/main" id="{A3B6A24E-442E-4C40-ACD9-23E82280DC80}"/>
+              </a:ext>
+            </a:extLst>
+          </p:cNvPr>
+          <p:cNvPicPr>
+            <a:picLocks noChangeAspect="1" noChangeArrowheads="1"/>
+          </p:cNvPicPr>
+          <p:nvPr/>
+        </p:nvPicPr>
+        <p:blipFill>
+          <a:blip r:embed="rId2">
+            <a:extLst>
+              <a:ext uri="{28A0092B-C50C-407E-A947-70E740481C1C}">
+                <a14:useLocalDpi xmlns:a14="http://schemas.microsoft.com/office/drawing/2010/main" val="0"/>
+              </a:ext>
+            </a:extLst>
+          </a:blip>
+          <a:srcRect/>
+          <a:stretch>
+            <a:fillRect/>
+          </a:stretch>
+        </p:blipFill>
+        <p:spPr bwMode="auto">
+          <a:xfrm>
+            <a:off x="9725025" y="375443"/>
+            <a:ext cx="1628775" cy="1304925"/>
+          </a:xfrm>
+          <a:prstGeom prst="rect">
+            <a:avLst/>
+          </a:prstGeom>
+          <a:noFill/>
+          <a:extLst>
+            <a:ext uri="{909E8E84-426E-40DD-AFC4-6F175D3DCCD1}">
+              <a14:hiddenFill xmlns:a14="http://schemas.microsoft.com/office/drawing/2010/main">
+                <a:solidFill>
+                  <a:srgbClr val="FFFFFF"/>
+                </a:solidFill>
+              </a14:hiddenFill>
+            </a:ext>
+          </a:extLst>
+        </p:spPr>
+      </p:pic>
+      <p:sp>
+        <p:nvSpPr>
+          <p:cNvPr id="6" name="Content Placeholder 5">
+            <a:extLst>
+              <a:ext uri="{FF2B5EF4-FFF2-40B4-BE49-F238E27FC236}">
+                <a16:creationId xmlns:a16="http://schemas.microsoft.com/office/drawing/2014/main" id="{90F8CA56-6026-4026-B08E-14B9597E4435}"/>
+              </a:ext>
+            </a:extLst>
+          </p:cNvPr>
+          <p:cNvSpPr>
+            <a:spLocks noGrp="1"/>
+          </p:cNvSpPr>
+          <p:nvPr>
+            <p:ph idx="1"/>
+          </p:nvPr>
+        </p:nvSpPr>
+        <p:spPr/>
+        <p:txBody>
+          <a:bodyPr>
+            <a:normAutofit/>
+          </a:bodyPr>
+          <a:lstStyle/>
+          <a:p>
+            <a:pPr marL="457200" algn="just">
+              <a:spcBef>
+                <a:spcPts val="1170"/>
+              </a:spcBef>
+              <a:tabLst>
+                <a:tab pos="842645" algn="l"/>
+                <a:tab pos="843280" algn="l"/>
+              </a:tabLst>
+            </a:pPr>
+            <a:r>
+              <a:rPr lang="en-IN" dirty="0"/>
+              <a:t>We have created an application that is capable of running across three platforms- Android, IOS, and Web. </a:t>
+            </a:r>
+          </a:p>
+          <a:p>
+            <a:pPr marL="457200" algn="just">
+              <a:spcBef>
+                <a:spcPts val="1170"/>
+              </a:spcBef>
+              <a:tabLst>
+                <a:tab pos="842645" algn="l"/>
+                <a:tab pos="843280" algn="l"/>
+              </a:tabLst>
+            </a:pPr>
+            <a:r>
+              <a:rPr lang="en-IN" dirty="0"/>
+              <a:t>We have tried our best to create a Graphical User Interface with the highest possible optimization and smallest response time possible.</a:t>
+            </a:r>
+          </a:p>
+          <a:p>
+            <a:pPr marL="457200" algn="just">
+              <a:spcBef>
+                <a:spcPts val="1170"/>
+              </a:spcBef>
+              <a:tabLst>
+                <a:tab pos="842645" algn="l"/>
+                <a:tab pos="843280" algn="l"/>
+              </a:tabLst>
+            </a:pPr>
+            <a:r>
+              <a:rPr lang="en-IN" dirty="0"/>
+              <a:t> We have packed the application with a lot of statistical data to help them in finding their dream job. </a:t>
+            </a:r>
+          </a:p>
+          <a:p>
+            <a:pPr marL="457200" algn="just">
+              <a:spcBef>
+                <a:spcPts val="1170"/>
+              </a:spcBef>
+              <a:tabLst>
+                <a:tab pos="842645" algn="l"/>
+                <a:tab pos="843280" algn="l"/>
+              </a:tabLst>
+            </a:pPr>
+            <a:r>
+              <a:rPr lang="en-IN" dirty="0"/>
+              <a:t>We have developed a PDF engine for creating a beautiful PDF of all the statistics shown in the application.</a:t>
+            </a:r>
+          </a:p>
+          <a:p>
+            <a:pPr marL="457200" algn="just">
+              <a:spcBef>
+                <a:spcPts val="1170"/>
+              </a:spcBef>
+              <a:tabLst>
+                <a:tab pos="842645" algn="l"/>
+                <a:tab pos="843280" algn="l"/>
+              </a:tabLst>
+            </a:pPr>
+            <a:endParaRPr lang="en-IN" dirty="0"/>
+          </a:p>
+          <a:p>
+            <a:pPr marL="0" indent="0">
+              <a:buNone/>
+            </a:pPr>
+            <a:endParaRPr lang="en-IN" sz="1800" dirty="0">
+              <a:effectLst/>
+              <a:latin typeface="Cambria" panose="02040503050406030204" pitchFamily="18" charset="0"/>
+              <a:ea typeface="Times New Roman" panose="02020603050405020304" pitchFamily="18" charset="0"/>
+              <a:cs typeface="Mangal" panose="02040503050203030202" pitchFamily="18" charset="0"/>
+            </a:endParaRPr>
+          </a:p>
+        </p:txBody>
+      </p:sp>
+    </p:spTree>
+    <p:extLst>
+      <p:ext uri="{BB962C8B-B14F-4D97-AF65-F5344CB8AC3E}">
+        <p14:creationId xmlns:p14="http://schemas.microsoft.com/office/powerpoint/2010/main" val="3812158382"/>
+      </p:ext>
+    </p:extLst>
+  </p:cSld>
+  <p:clrMapOvr>
+    <a:masterClrMapping/>
+  </p:clrMapOvr>
+</p:sld>
+</file>
+
+<file path=ppt/slides/slide19.xml><?xml version="1.0" encoding="utf-8"?>
+<p:sld xmlns:a="http://schemas.openxmlformats.org/drawingml/2006/main" xmlns:r="http://schemas.openxmlformats.org/officeDocument/2006/relationships" xmlns:p="http://schemas.openxmlformats.org/presentationml/2006/main">
+  <p:cSld>
+    <p:spTree>
+      <p:nvGrpSpPr>
+        <p:cNvPr id="1" name=""/>
+        <p:cNvGrpSpPr/>
+        <p:nvPr/>
+      </p:nvGrpSpPr>
+      <p:grpSpPr>
+        <a:xfrm>
+          <a:off x="0" y="0"/>
+          <a:ext cx="0" cy="0"/>
+          <a:chOff x="0" y="0"/>
+          <a:chExt cx="0" cy="0"/>
+        </a:xfrm>
+      </p:grpSpPr>
+      <p:sp>
+        <p:nvSpPr>
+          <p:cNvPr id="2" name="Title 1">
+            <a:extLst>
+              <a:ext uri="{FF2B5EF4-FFF2-40B4-BE49-F238E27FC236}">
+                <a16:creationId xmlns:a16="http://schemas.microsoft.com/office/drawing/2014/main" id="{078945BF-047F-4163-9CCE-0202B64CFA0C}"/>
+              </a:ext>
+            </a:extLst>
+          </p:cNvPr>
+          <p:cNvSpPr>
+            <a:spLocks noGrp="1"/>
+          </p:cNvSpPr>
+          <p:nvPr>
+            <p:ph type="title"/>
+          </p:nvPr>
+        </p:nvSpPr>
+        <p:spPr/>
+        <p:txBody>
+          <a:bodyPr/>
+          <a:lstStyle/>
+          <a:p>
+            <a:r>
+              <a:rPr lang="en-IN" b="1" dirty="0"/>
               <a:t>Future Work</a:t>
             </a:r>
           </a:p>
@@ -4234,83 +5988,1691 @@
           <a:p>
             <a:r>
               <a:rPr lang="en-IN" b="1" dirty="0"/>
-              <a:t>Introduction</a:t>
+              <a:t>Project Details</a:t>
             </a:r>
           </a:p>
         </p:txBody>
       </p:sp>
-      <p:sp>
-        <p:nvSpPr>
-          <p:cNvPr id="3" name="Content Placeholder 2">
-            <a:extLst>
-              <a:ext uri="{FF2B5EF4-FFF2-40B4-BE49-F238E27FC236}">
-                <a16:creationId xmlns:a16="http://schemas.microsoft.com/office/drawing/2014/main" id="{A3AFDBD8-D8BE-48A8-B81C-552DBC0F11EB}"/>
-              </a:ext>
-            </a:extLst>
-          </p:cNvPr>
-          <p:cNvSpPr>
-            <a:spLocks noGrp="1"/>
-          </p:cNvSpPr>
+      <p:graphicFrame>
+        <p:nvGraphicFramePr>
+          <p:cNvPr id="7" name="Content Placeholder 6">
+            <a:extLst>
+              <a:ext uri="{FF2B5EF4-FFF2-40B4-BE49-F238E27FC236}">
+                <a16:creationId xmlns:a16="http://schemas.microsoft.com/office/drawing/2014/main" id="{21B3937E-4047-46DC-95D5-8E9BD785C46D}"/>
+              </a:ext>
+            </a:extLst>
+          </p:cNvPr>
+          <p:cNvGraphicFramePr>
+            <a:graphicFrameLocks noGrp="1"/>
+          </p:cNvGraphicFramePr>
           <p:nvPr>
             <p:ph idx="1"/>
+            <p:extLst>
+              <p:ext uri="{D42A27DB-BD31-4B8C-83A1-F6EECF244321}">
+                <p14:modId xmlns:p14="http://schemas.microsoft.com/office/powerpoint/2010/main" val="1857830920"/>
+              </p:ext>
+            </p:extLst>
           </p:nvPr>
-        </p:nvSpPr>
-        <p:spPr/>
-        <p:txBody>
-          <a:bodyPr>
-            <a:normAutofit/>
-          </a:bodyPr>
-          <a:lstStyle/>
-          <a:p>
-            <a:pPr algn="just"/>
-            <a:r>
-              <a:rPr lang="en-IN" dirty="0">
-                <a:solidFill>
-                  <a:srgbClr val="202122"/>
-                </a:solidFill>
-                <a:latin typeface="Arial" panose="020B0604020202020204" pitchFamily="34" charset="0"/>
-              </a:rPr>
-              <a:t>The FastForward team of naukri.com generates a report for a paid users.</a:t>
-            </a:r>
-          </a:p>
-          <a:p>
-            <a:pPr algn="just"/>
-            <a:r>
-              <a:rPr lang="en-IN" dirty="0">
-                <a:solidFill>
-                  <a:srgbClr val="202122"/>
-                </a:solidFill>
-                <a:latin typeface="Arial" panose="020B0604020202020204" pitchFamily="34" charset="0"/>
-              </a:rPr>
-              <a:t>It contains statistical data that helps the user to understand the current job market trends, and competition at his/her level.</a:t>
-            </a:r>
-          </a:p>
-          <a:p>
-            <a:pPr algn="just"/>
-            <a:r>
-              <a:rPr lang="en-IN" dirty="0">
-                <a:solidFill>
-                  <a:srgbClr val="202122"/>
-                </a:solidFill>
-                <a:latin typeface="Arial" panose="020B0604020202020204" pitchFamily="34" charset="0"/>
-              </a:rPr>
-              <a:t>This report is generated manually for each user so it takes a large amount of time and labour.</a:t>
-            </a:r>
-          </a:p>
-          <a:p>
-            <a:pPr algn="just"/>
-            <a:r>
-              <a:rPr lang="en-IN" dirty="0">
-                <a:solidFill>
-                  <a:srgbClr val="202122"/>
-                </a:solidFill>
-                <a:latin typeface="Arial" panose="020B0604020202020204" pitchFamily="34" charset="0"/>
-              </a:rPr>
-              <a:t>The report is generated monthly so it does not have daily-updated statistics.</a:t>
-            </a:r>
-          </a:p>
-        </p:txBody>
-      </p:sp>
+        </p:nvGraphicFramePr>
+        <p:xfrm>
+          <a:off x="838199" y="1738732"/>
+          <a:ext cx="10515599" cy="4445009"/>
+        </p:xfrm>
+        <a:graphic>
+          <a:graphicData uri="http://schemas.openxmlformats.org/drawingml/2006/table">
+            <a:tbl>
+              <a:tblPr firstRow="1" firstCol="1" bandRow="1">
+                <a:tableStyleId>{073A0DAA-6AF3-43AB-8588-CEC1D06C72B9}</a:tableStyleId>
+              </a:tblPr>
+              <a:tblGrid>
+                <a:gridCol w="2595901">
+                  <a:extLst>
+                    <a:ext uri="{9D8B030D-6E8A-4147-A177-3AD203B41FA5}">
+                      <a16:colId xmlns:a16="http://schemas.microsoft.com/office/drawing/2014/main" val="3115882406"/>
+                    </a:ext>
+                  </a:extLst>
+                </a:gridCol>
+                <a:gridCol w="4179841">
+                  <a:extLst>
+                    <a:ext uri="{9D8B030D-6E8A-4147-A177-3AD203B41FA5}">
+                      <a16:colId xmlns:a16="http://schemas.microsoft.com/office/drawing/2014/main" val="2816855220"/>
+                    </a:ext>
+                  </a:extLst>
+                </a:gridCol>
+                <a:gridCol w="1891928">
+                  <a:extLst>
+                    <a:ext uri="{9D8B030D-6E8A-4147-A177-3AD203B41FA5}">
+                      <a16:colId xmlns:a16="http://schemas.microsoft.com/office/drawing/2014/main" val="1661400861"/>
+                    </a:ext>
+                  </a:extLst>
+                </a:gridCol>
+                <a:gridCol w="1847929">
+                  <a:extLst>
+                    <a:ext uri="{9D8B030D-6E8A-4147-A177-3AD203B41FA5}">
+                      <a16:colId xmlns:a16="http://schemas.microsoft.com/office/drawing/2014/main" val="3420168107"/>
+                    </a:ext>
+                  </a:extLst>
+                </a:gridCol>
+              </a:tblGrid>
+              <a:tr h="204475">
+                <a:tc gridSpan="4">
+                  <a:txBody>
+                    <a:bodyPr/>
+                    <a:lstStyle/>
+                    <a:p>
+                      <a:pPr algn="l">
+                        <a:lnSpc>
+                          <a:spcPct val="125000"/>
+                        </a:lnSpc>
+                      </a:pPr>
+                      <a:r>
+                        <a:rPr lang="en-IN" sz="1200" dirty="0">
+                          <a:effectLst/>
+                        </a:rPr>
+                        <a:t>Student Details</a:t>
+                      </a:r>
+                      <a:endParaRPr lang="en-IN" sz="1100" dirty="0">
+                        <a:effectLst/>
+                        <a:latin typeface="Cambria" panose="02040503050406030204" pitchFamily="18" charset="0"/>
+                        <a:ea typeface="Times New Roman" panose="02020603050405020304" pitchFamily="18" charset="0"/>
+                        <a:cs typeface="Mangal" panose="02040503050203030202" pitchFamily="18" charset="0"/>
+                      </a:endParaRPr>
+                    </a:p>
+                  </a:txBody>
+                  <a:tcPr marL="66616" marR="66616" marT="0" marB="0"/>
+                </a:tc>
+                <a:tc hMerge="1">
+                  <a:txBody>
+                    <a:bodyPr/>
+                    <a:lstStyle/>
+                    <a:p>
+                      <a:endParaRPr lang="en-IN"/>
+                    </a:p>
+                  </a:txBody>
+                  <a:tcPr/>
+                </a:tc>
+                <a:tc hMerge="1">
+                  <a:txBody>
+                    <a:bodyPr/>
+                    <a:lstStyle/>
+                    <a:p>
+                      <a:endParaRPr lang="en-IN"/>
+                    </a:p>
+                  </a:txBody>
+                  <a:tcPr/>
+                </a:tc>
+                <a:tc hMerge="1">
+                  <a:txBody>
+                    <a:bodyPr/>
+                    <a:lstStyle/>
+                    <a:p>
+                      <a:endParaRPr lang="en-IN"/>
+                    </a:p>
+                  </a:txBody>
+                  <a:tcPr/>
+                </a:tc>
+                <a:extLst>
+                  <a:ext uri="{0D108BD9-81ED-4DB2-BD59-A6C34878D82A}">
+                    <a16:rowId xmlns:a16="http://schemas.microsoft.com/office/drawing/2014/main" val="395503378"/>
+                  </a:ext>
+                </a:extLst>
+              </a:tr>
+              <a:tr h="204475">
+                <a:tc>
+                  <a:txBody>
+                    <a:bodyPr/>
+                    <a:lstStyle/>
+                    <a:p>
+                      <a:pPr algn="l">
+                        <a:lnSpc>
+                          <a:spcPct val="125000"/>
+                        </a:lnSpc>
+                      </a:pPr>
+                      <a:r>
+                        <a:rPr lang="en-IN" sz="1200">
+                          <a:effectLst/>
+                        </a:rPr>
+                        <a:t>Name</a:t>
+                      </a:r>
+                      <a:endParaRPr lang="en-IN" sz="1100">
+                        <a:effectLst/>
+                        <a:latin typeface="Cambria" panose="02040503050406030204" pitchFamily="18" charset="0"/>
+                        <a:ea typeface="Times New Roman" panose="02020603050405020304" pitchFamily="18" charset="0"/>
+                        <a:cs typeface="Mangal" panose="02040503050203030202" pitchFamily="18" charset="0"/>
+                      </a:endParaRPr>
+                    </a:p>
+                  </a:txBody>
+                  <a:tcPr marL="66616" marR="66616" marT="0" marB="0"/>
+                </a:tc>
+                <a:tc gridSpan="3">
+                  <a:txBody>
+                    <a:bodyPr/>
+                    <a:lstStyle/>
+                    <a:p>
+                      <a:pPr algn="l">
+                        <a:lnSpc>
+                          <a:spcPct val="125000"/>
+                        </a:lnSpc>
+                      </a:pPr>
+                      <a:r>
+                        <a:rPr lang="en-IN" sz="1200">
+                          <a:effectLst/>
+                        </a:rPr>
+                        <a:t>PRITHWIRAJ SAMANTA</a:t>
+                      </a:r>
+                      <a:endParaRPr lang="en-IN" sz="1100">
+                        <a:effectLst/>
+                        <a:latin typeface="Cambria" panose="02040503050406030204" pitchFamily="18" charset="0"/>
+                        <a:ea typeface="Times New Roman" panose="02020603050405020304" pitchFamily="18" charset="0"/>
+                        <a:cs typeface="Mangal" panose="02040503050203030202" pitchFamily="18" charset="0"/>
+                      </a:endParaRPr>
+                    </a:p>
+                  </a:txBody>
+                  <a:tcPr marL="66616" marR="66616" marT="0" marB="0"/>
+                </a:tc>
+                <a:tc hMerge="1">
+                  <a:txBody>
+                    <a:bodyPr/>
+                    <a:lstStyle/>
+                    <a:p>
+                      <a:endParaRPr lang="en-IN"/>
+                    </a:p>
+                  </a:txBody>
+                  <a:tcPr/>
+                </a:tc>
+                <a:tc hMerge="1">
+                  <a:txBody>
+                    <a:bodyPr/>
+                    <a:lstStyle/>
+                    <a:p>
+                      <a:endParaRPr lang="en-IN"/>
+                    </a:p>
+                  </a:txBody>
+                  <a:tcPr/>
+                </a:tc>
+                <a:extLst>
+                  <a:ext uri="{0D108BD9-81ED-4DB2-BD59-A6C34878D82A}">
+                    <a16:rowId xmlns:a16="http://schemas.microsoft.com/office/drawing/2014/main" val="1149392141"/>
+                  </a:ext>
+                </a:extLst>
+              </a:tr>
+              <a:tr h="204475">
+                <a:tc>
+                  <a:txBody>
+                    <a:bodyPr/>
+                    <a:lstStyle/>
+                    <a:p>
+                      <a:pPr algn="l">
+                        <a:lnSpc>
+                          <a:spcPct val="125000"/>
+                        </a:lnSpc>
+                      </a:pPr>
+                      <a:r>
+                        <a:rPr lang="en-IN" sz="1200">
+                          <a:effectLst/>
+                        </a:rPr>
+                        <a:t>Registration Number</a:t>
+                      </a:r>
+                      <a:endParaRPr lang="en-IN" sz="1100">
+                        <a:effectLst/>
+                        <a:latin typeface="Cambria" panose="02040503050406030204" pitchFamily="18" charset="0"/>
+                        <a:ea typeface="Times New Roman" panose="02020603050405020304" pitchFamily="18" charset="0"/>
+                        <a:cs typeface="Mangal" panose="02040503050203030202" pitchFamily="18" charset="0"/>
+                      </a:endParaRPr>
+                    </a:p>
+                  </a:txBody>
+                  <a:tcPr marL="66616" marR="66616" marT="0" marB="0"/>
+                </a:tc>
+                <a:tc>
+                  <a:txBody>
+                    <a:bodyPr/>
+                    <a:lstStyle/>
+                    <a:p>
+                      <a:pPr algn="l">
+                        <a:lnSpc>
+                          <a:spcPct val="125000"/>
+                        </a:lnSpc>
+                      </a:pPr>
+                      <a:r>
+                        <a:rPr lang="en-IN" sz="1200">
+                          <a:effectLst/>
+                        </a:rPr>
+                        <a:t>2018UGCS002R</a:t>
+                      </a:r>
+                      <a:endParaRPr lang="en-IN" sz="1100">
+                        <a:effectLst/>
+                        <a:latin typeface="Cambria" panose="02040503050406030204" pitchFamily="18" charset="0"/>
+                        <a:ea typeface="Times New Roman" panose="02020603050405020304" pitchFamily="18" charset="0"/>
+                        <a:cs typeface="Mangal" panose="02040503050203030202" pitchFamily="18" charset="0"/>
+                      </a:endParaRPr>
+                    </a:p>
+                  </a:txBody>
+                  <a:tcPr marL="66616" marR="66616" marT="0" marB="0"/>
+                </a:tc>
+                <a:tc>
+                  <a:txBody>
+                    <a:bodyPr/>
+                    <a:lstStyle/>
+                    <a:p>
+                      <a:pPr algn="l">
+                        <a:lnSpc>
+                          <a:spcPct val="125000"/>
+                        </a:lnSpc>
+                      </a:pPr>
+                      <a:r>
+                        <a:rPr lang="en-IN" sz="1200">
+                          <a:effectLst/>
+                        </a:rPr>
+                        <a:t>Roll No</a:t>
+                      </a:r>
+                      <a:endParaRPr lang="en-IN" sz="1100">
+                        <a:effectLst/>
+                        <a:latin typeface="Cambria" panose="02040503050406030204" pitchFamily="18" charset="0"/>
+                        <a:ea typeface="Times New Roman" panose="02020603050405020304" pitchFamily="18" charset="0"/>
+                        <a:cs typeface="Mangal" panose="02040503050203030202" pitchFamily="18" charset="0"/>
+                      </a:endParaRPr>
+                    </a:p>
+                  </a:txBody>
+                  <a:tcPr marL="66616" marR="66616" marT="0" marB="0"/>
+                </a:tc>
+                <a:tc>
+                  <a:txBody>
+                    <a:bodyPr/>
+                    <a:lstStyle/>
+                    <a:p>
+                      <a:pPr algn="l">
+                        <a:lnSpc>
+                          <a:spcPct val="125000"/>
+                        </a:lnSpc>
+                      </a:pPr>
+                      <a:r>
+                        <a:rPr lang="en-IN" sz="1200">
+                          <a:effectLst/>
+                        </a:rPr>
+                        <a:t>CSE/02</a:t>
+                      </a:r>
+                      <a:endParaRPr lang="en-IN" sz="1100">
+                        <a:effectLst/>
+                        <a:latin typeface="Cambria" panose="02040503050406030204" pitchFamily="18" charset="0"/>
+                        <a:ea typeface="Times New Roman" panose="02020603050405020304" pitchFamily="18" charset="0"/>
+                        <a:cs typeface="Mangal" panose="02040503050203030202" pitchFamily="18" charset="0"/>
+                      </a:endParaRPr>
+                    </a:p>
+                  </a:txBody>
+                  <a:tcPr marL="66616" marR="66616" marT="0" marB="0"/>
+                </a:tc>
+                <a:extLst>
+                  <a:ext uri="{0D108BD9-81ED-4DB2-BD59-A6C34878D82A}">
+                    <a16:rowId xmlns:a16="http://schemas.microsoft.com/office/drawing/2014/main" val="1603982660"/>
+                  </a:ext>
+                </a:extLst>
+              </a:tr>
+              <a:tr h="258446">
+                <a:tc>
+                  <a:txBody>
+                    <a:bodyPr/>
+                    <a:lstStyle/>
+                    <a:p>
+                      <a:pPr algn="l">
+                        <a:lnSpc>
+                          <a:spcPct val="125000"/>
+                        </a:lnSpc>
+                      </a:pPr>
+                      <a:r>
+                        <a:rPr lang="en-IN" sz="1200">
+                          <a:effectLst/>
+                        </a:rPr>
+                        <a:t>Email Address</a:t>
+                      </a:r>
+                      <a:endParaRPr lang="en-IN" sz="1100">
+                        <a:effectLst/>
+                        <a:latin typeface="Cambria" panose="02040503050406030204" pitchFamily="18" charset="0"/>
+                        <a:ea typeface="Times New Roman" panose="02020603050405020304" pitchFamily="18" charset="0"/>
+                        <a:cs typeface="Mangal" panose="02040503050203030202" pitchFamily="18" charset="0"/>
+                      </a:endParaRPr>
+                    </a:p>
+                  </a:txBody>
+                  <a:tcPr marL="66616" marR="66616" marT="0" marB="0"/>
+                </a:tc>
+                <a:tc>
+                  <a:txBody>
+                    <a:bodyPr/>
+                    <a:lstStyle/>
+                    <a:p>
+                      <a:pPr algn="l">
+                        <a:lnSpc>
+                          <a:spcPct val="125000"/>
+                        </a:lnSpc>
+                      </a:pPr>
+                      <a:r>
+                        <a:rPr lang="en-IN" sz="1200">
+                          <a:effectLst/>
+                        </a:rPr>
+                        <a:t>psamanta.btech.cs18@iiitranchi.ac.in</a:t>
+                      </a:r>
+                      <a:endParaRPr lang="en-IN" sz="1100">
+                        <a:effectLst/>
+                        <a:latin typeface="Cambria" panose="02040503050406030204" pitchFamily="18" charset="0"/>
+                        <a:ea typeface="Times New Roman" panose="02020603050405020304" pitchFamily="18" charset="0"/>
+                        <a:cs typeface="Mangal" panose="02040503050203030202" pitchFamily="18" charset="0"/>
+                      </a:endParaRPr>
+                    </a:p>
+                  </a:txBody>
+                  <a:tcPr marL="66616" marR="66616" marT="0" marB="0"/>
+                </a:tc>
+                <a:tc>
+                  <a:txBody>
+                    <a:bodyPr/>
+                    <a:lstStyle/>
+                    <a:p>
+                      <a:pPr algn="l">
+                        <a:lnSpc>
+                          <a:spcPct val="125000"/>
+                        </a:lnSpc>
+                      </a:pPr>
+                      <a:r>
+                        <a:rPr lang="en-IN" sz="1200">
+                          <a:effectLst/>
+                        </a:rPr>
+                        <a:t>Phone No (M)</a:t>
+                      </a:r>
+                      <a:endParaRPr lang="en-IN" sz="1100">
+                        <a:effectLst/>
+                        <a:latin typeface="Cambria" panose="02040503050406030204" pitchFamily="18" charset="0"/>
+                        <a:ea typeface="Times New Roman" panose="02020603050405020304" pitchFamily="18" charset="0"/>
+                        <a:cs typeface="Mangal" panose="02040503050203030202" pitchFamily="18" charset="0"/>
+                      </a:endParaRPr>
+                    </a:p>
+                  </a:txBody>
+                  <a:tcPr marL="66616" marR="66616" marT="0" marB="0"/>
+                </a:tc>
+                <a:tc>
+                  <a:txBody>
+                    <a:bodyPr/>
+                    <a:lstStyle/>
+                    <a:p>
+                      <a:pPr algn="l">
+                        <a:lnSpc>
+                          <a:spcPct val="125000"/>
+                        </a:lnSpc>
+                      </a:pPr>
+                      <a:r>
+                        <a:rPr lang="en-IN" sz="1200">
+                          <a:effectLst/>
+                        </a:rPr>
+                        <a:t>6204570243</a:t>
+                      </a:r>
+                      <a:endParaRPr lang="en-IN" sz="1100">
+                        <a:effectLst/>
+                        <a:latin typeface="Cambria" panose="02040503050406030204" pitchFamily="18" charset="0"/>
+                        <a:ea typeface="Times New Roman" panose="02020603050405020304" pitchFamily="18" charset="0"/>
+                        <a:cs typeface="Mangal" panose="02040503050203030202" pitchFamily="18" charset="0"/>
+                      </a:endParaRPr>
+                    </a:p>
+                  </a:txBody>
+                  <a:tcPr marL="66616" marR="66616" marT="0" marB="0"/>
+                </a:tc>
+                <a:extLst>
+                  <a:ext uri="{0D108BD9-81ED-4DB2-BD59-A6C34878D82A}">
+                    <a16:rowId xmlns:a16="http://schemas.microsoft.com/office/drawing/2014/main" val="1489193433"/>
+                  </a:ext>
+                </a:extLst>
+              </a:tr>
+              <a:tr h="203549">
+                <a:tc gridSpan="4">
+                  <a:txBody>
+                    <a:bodyPr/>
+                    <a:lstStyle/>
+                    <a:p>
+                      <a:pPr algn="l">
+                        <a:lnSpc>
+                          <a:spcPct val="125000"/>
+                        </a:lnSpc>
+                      </a:pPr>
+                      <a:r>
+                        <a:rPr lang="en-IN" sz="200">
+                          <a:effectLst/>
+                        </a:rPr>
+                        <a:t> </a:t>
+                      </a:r>
+                      <a:endParaRPr lang="en-IN" sz="1100">
+                        <a:effectLst/>
+                        <a:latin typeface="Cambria" panose="02040503050406030204" pitchFamily="18" charset="0"/>
+                        <a:ea typeface="Times New Roman" panose="02020603050405020304" pitchFamily="18" charset="0"/>
+                        <a:cs typeface="Mangal" panose="02040503050203030202" pitchFamily="18" charset="0"/>
+                      </a:endParaRPr>
+                    </a:p>
+                  </a:txBody>
+                  <a:tcPr marL="66616" marR="66616" marT="0" marB="0"/>
+                </a:tc>
+                <a:tc hMerge="1">
+                  <a:txBody>
+                    <a:bodyPr/>
+                    <a:lstStyle/>
+                    <a:p>
+                      <a:endParaRPr lang="en-IN"/>
+                    </a:p>
+                  </a:txBody>
+                  <a:tcPr/>
+                </a:tc>
+                <a:tc hMerge="1">
+                  <a:txBody>
+                    <a:bodyPr/>
+                    <a:lstStyle/>
+                    <a:p>
+                      <a:endParaRPr lang="en-IN"/>
+                    </a:p>
+                  </a:txBody>
+                  <a:tcPr/>
+                </a:tc>
+                <a:tc hMerge="1">
+                  <a:txBody>
+                    <a:bodyPr/>
+                    <a:lstStyle/>
+                    <a:p>
+                      <a:endParaRPr lang="en-IN"/>
+                    </a:p>
+                  </a:txBody>
+                  <a:tcPr/>
+                </a:tc>
+                <a:extLst>
+                  <a:ext uri="{0D108BD9-81ED-4DB2-BD59-A6C34878D82A}">
+                    <a16:rowId xmlns:a16="http://schemas.microsoft.com/office/drawing/2014/main" val="3561201389"/>
+                  </a:ext>
+                </a:extLst>
+              </a:tr>
+              <a:tr h="204475">
+                <a:tc gridSpan="4">
+                  <a:txBody>
+                    <a:bodyPr/>
+                    <a:lstStyle/>
+                    <a:p>
+                      <a:pPr algn="l">
+                        <a:lnSpc>
+                          <a:spcPct val="125000"/>
+                        </a:lnSpc>
+                      </a:pPr>
+                      <a:r>
+                        <a:rPr lang="en-IN" sz="1200">
+                          <a:effectLst/>
+                        </a:rPr>
+                        <a:t>Project Details</a:t>
+                      </a:r>
+                      <a:endParaRPr lang="en-IN" sz="1100">
+                        <a:effectLst/>
+                        <a:latin typeface="Cambria" panose="02040503050406030204" pitchFamily="18" charset="0"/>
+                        <a:ea typeface="Times New Roman" panose="02020603050405020304" pitchFamily="18" charset="0"/>
+                        <a:cs typeface="Mangal" panose="02040503050203030202" pitchFamily="18" charset="0"/>
+                      </a:endParaRPr>
+                    </a:p>
+                  </a:txBody>
+                  <a:tcPr marL="66616" marR="66616" marT="0" marB="0"/>
+                </a:tc>
+                <a:tc hMerge="1">
+                  <a:txBody>
+                    <a:bodyPr/>
+                    <a:lstStyle/>
+                    <a:p>
+                      <a:endParaRPr lang="en-IN"/>
+                    </a:p>
+                  </a:txBody>
+                  <a:tcPr/>
+                </a:tc>
+                <a:tc hMerge="1">
+                  <a:txBody>
+                    <a:bodyPr/>
+                    <a:lstStyle/>
+                    <a:p>
+                      <a:endParaRPr lang="en-IN"/>
+                    </a:p>
+                  </a:txBody>
+                  <a:tcPr/>
+                </a:tc>
+                <a:tc hMerge="1">
+                  <a:txBody>
+                    <a:bodyPr/>
+                    <a:lstStyle/>
+                    <a:p>
+                      <a:endParaRPr lang="en-IN"/>
+                    </a:p>
+                  </a:txBody>
+                  <a:tcPr/>
+                </a:tc>
+                <a:extLst>
+                  <a:ext uri="{0D108BD9-81ED-4DB2-BD59-A6C34878D82A}">
+                    <a16:rowId xmlns:a16="http://schemas.microsoft.com/office/drawing/2014/main" val="1777556349"/>
+                  </a:ext>
+                </a:extLst>
+              </a:tr>
+              <a:tr h="207250">
+                <a:tc>
+                  <a:txBody>
+                    <a:bodyPr/>
+                    <a:lstStyle/>
+                    <a:p>
+                      <a:pPr algn="l">
+                        <a:lnSpc>
+                          <a:spcPct val="125000"/>
+                        </a:lnSpc>
+                      </a:pPr>
+                      <a:r>
+                        <a:rPr lang="en-IN" sz="1200" dirty="0">
+                          <a:effectLst/>
+                        </a:rPr>
+                        <a:t>Project Title</a:t>
+                      </a:r>
+                      <a:endParaRPr lang="en-IN" sz="1100" dirty="0">
+                        <a:effectLst/>
+                        <a:latin typeface="Cambria" panose="02040503050406030204" pitchFamily="18" charset="0"/>
+                        <a:ea typeface="Times New Roman" panose="02020603050405020304" pitchFamily="18" charset="0"/>
+                        <a:cs typeface="Mangal" panose="02040503050203030202" pitchFamily="18" charset="0"/>
+                      </a:endParaRPr>
+                    </a:p>
+                  </a:txBody>
+                  <a:tcPr marL="66616" marR="66616" marT="0" marB="0"/>
+                </a:tc>
+                <a:tc gridSpan="3">
+                  <a:txBody>
+                    <a:bodyPr/>
+                    <a:lstStyle/>
+                    <a:p>
+                      <a:pPr algn="l">
+                        <a:lnSpc>
+                          <a:spcPct val="125000"/>
+                        </a:lnSpc>
+                      </a:pPr>
+                      <a:r>
+                        <a:rPr lang="en-IN" sz="1200">
+                          <a:effectLst/>
+                        </a:rPr>
+                        <a:t>FastForward Privilege Report Generation</a:t>
+                      </a:r>
+                      <a:endParaRPr lang="en-IN" sz="1100">
+                        <a:effectLst/>
+                        <a:latin typeface="Cambria" panose="02040503050406030204" pitchFamily="18" charset="0"/>
+                        <a:ea typeface="Times New Roman" panose="02020603050405020304" pitchFamily="18" charset="0"/>
+                        <a:cs typeface="Mangal" panose="02040503050203030202" pitchFamily="18" charset="0"/>
+                      </a:endParaRPr>
+                    </a:p>
+                  </a:txBody>
+                  <a:tcPr marL="66616" marR="66616" marT="0" marB="0"/>
+                </a:tc>
+                <a:tc hMerge="1">
+                  <a:txBody>
+                    <a:bodyPr/>
+                    <a:lstStyle/>
+                    <a:p>
+                      <a:endParaRPr lang="en-IN"/>
+                    </a:p>
+                  </a:txBody>
+                  <a:tcPr/>
+                </a:tc>
+                <a:tc hMerge="1">
+                  <a:txBody>
+                    <a:bodyPr/>
+                    <a:lstStyle/>
+                    <a:p>
+                      <a:endParaRPr lang="en-IN"/>
+                    </a:p>
+                  </a:txBody>
+                  <a:tcPr/>
+                </a:tc>
+                <a:extLst>
+                  <a:ext uri="{0D108BD9-81ED-4DB2-BD59-A6C34878D82A}">
+                    <a16:rowId xmlns:a16="http://schemas.microsoft.com/office/drawing/2014/main" val="2129598932"/>
+                  </a:ext>
+                </a:extLst>
+              </a:tr>
+              <a:tr h="358987">
+                <a:tc>
+                  <a:txBody>
+                    <a:bodyPr/>
+                    <a:lstStyle/>
+                    <a:p>
+                      <a:pPr algn="l">
+                        <a:lnSpc>
+                          <a:spcPct val="125000"/>
+                        </a:lnSpc>
+                      </a:pPr>
+                      <a:r>
+                        <a:rPr lang="en-IN" sz="1200">
+                          <a:effectLst/>
+                        </a:rPr>
+                        <a:t>Project Duration</a:t>
+                      </a:r>
+                      <a:endParaRPr lang="en-IN" sz="1100">
+                        <a:effectLst/>
+                        <a:latin typeface="Cambria" panose="02040503050406030204" pitchFamily="18" charset="0"/>
+                        <a:ea typeface="Times New Roman" panose="02020603050405020304" pitchFamily="18" charset="0"/>
+                        <a:cs typeface="Mangal" panose="02040503050203030202" pitchFamily="18" charset="0"/>
+                      </a:endParaRPr>
+                    </a:p>
+                  </a:txBody>
+                  <a:tcPr marL="66616" marR="66616" marT="0" marB="0"/>
+                </a:tc>
+                <a:tc>
+                  <a:txBody>
+                    <a:bodyPr/>
+                    <a:lstStyle/>
+                    <a:p>
+                      <a:pPr algn="l">
+                        <a:lnSpc>
+                          <a:spcPct val="125000"/>
+                        </a:lnSpc>
+                      </a:pPr>
+                      <a:r>
+                        <a:rPr lang="en-IN" sz="1200">
+                          <a:effectLst/>
+                        </a:rPr>
+                        <a:t>6 months (approx.)</a:t>
+                      </a:r>
+                      <a:endParaRPr lang="en-IN" sz="1100">
+                        <a:effectLst/>
+                        <a:latin typeface="Cambria" panose="02040503050406030204" pitchFamily="18" charset="0"/>
+                        <a:ea typeface="Times New Roman" panose="02020603050405020304" pitchFamily="18" charset="0"/>
+                        <a:cs typeface="Mangal" panose="02040503050203030202" pitchFamily="18" charset="0"/>
+                      </a:endParaRPr>
+                    </a:p>
+                  </a:txBody>
+                  <a:tcPr marL="66616" marR="66616" marT="0" marB="0"/>
+                </a:tc>
+                <a:tc>
+                  <a:txBody>
+                    <a:bodyPr/>
+                    <a:lstStyle/>
+                    <a:p>
+                      <a:pPr algn="l">
+                        <a:lnSpc>
+                          <a:spcPct val="125000"/>
+                        </a:lnSpc>
+                      </a:pPr>
+                      <a:r>
+                        <a:rPr lang="en-IN" sz="1200">
+                          <a:effectLst/>
+                        </a:rPr>
+                        <a:t>Date of reporting</a:t>
+                      </a:r>
+                      <a:endParaRPr lang="en-IN" sz="1100">
+                        <a:effectLst/>
+                        <a:latin typeface="Cambria" panose="02040503050406030204" pitchFamily="18" charset="0"/>
+                        <a:ea typeface="Times New Roman" panose="02020603050405020304" pitchFamily="18" charset="0"/>
+                        <a:cs typeface="Mangal" panose="02040503050203030202" pitchFamily="18" charset="0"/>
+                      </a:endParaRPr>
+                    </a:p>
+                  </a:txBody>
+                  <a:tcPr marL="66616" marR="66616" marT="0" marB="0"/>
+                </a:tc>
+                <a:tc>
+                  <a:txBody>
+                    <a:bodyPr/>
+                    <a:lstStyle/>
+                    <a:p>
+                      <a:pPr algn="l">
+                        <a:lnSpc>
+                          <a:spcPct val="125000"/>
+                        </a:lnSpc>
+                      </a:pPr>
+                      <a:r>
+                        <a:rPr lang="en-IN" sz="1200">
+                          <a:effectLst/>
+                        </a:rPr>
+                        <a:t>3 Jan 2022</a:t>
+                      </a:r>
+                      <a:endParaRPr lang="en-IN" sz="1100">
+                        <a:effectLst/>
+                        <a:latin typeface="Cambria" panose="02040503050406030204" pitchFamily="18" charset="0"/>
+                        <a:ea typeface="Times New Roman" panose="02020603050405020304" pitchFamily="18" charset="0"/>
+                        <a:cs typeface="Mangal" panose="02040503050203030202" pitchFamily="18" charset="0"/>
+                      </a:endParaRPr>
+                    </a:p>
+                  </a:txBody>
+                  <a:tcPr marL="66616" marR="66616" marT="0" marB="0"/>
+                </a:tc>
+                <a:extLst>
+                  <a:ext uri="{0D108BD9-81ED-4DB2-BD59-A6C34878D82A}">
+                    <a16:rowId xmlns:a16="http://schemas.microsoft.com/office/drawing/2014/main" val="623025748"/>
+                  </a:ext>
+                </a:extLst>
+              </a:tr>
+              <a:tr h="204475">
+                <a:tc gridSpan="4">
+                  <a:txBody>
+                    <a:bodyPr/>
+                    <a:lstStyle/>
+                    <a:p>
+                      <a:pPr algn="l">
+                        <a:lnSpc>
+                          <a:spcPct val="125000"/>
+                        </a:lnSpc>
+                      </a:pPr>
+                      <a:r>
+                        <a:rPr lang="en-IN" sz="1200">
+                          <a:effectLst/>
+                        </a:rPr>
+                        <a:t> </a:t>
+                      </a:r>
+                      <a:endParaRPr lang="en-IN" sz="1100">
+                        <a:effectLst/>
+                        <a:latin typeface="Cambria" panose="02040503050406030204" pitchFamily="18" charset="0"/>
+                        <a:ea typeface="Times New Roman" panose="02020603050405020304" pitchFamily="18" charset="0"/>
+                        <a:cs typeface="Mangal" panose="02040503050203030202" pitchFamily="18" charset="0"/>
+                      </a:endParaRPr>
+                    </a:p>
+                  </a:txBody>
+                  <a:tcPr marL="66616" marR="66616" marT="0" marB="0"/>
+                </a:tc>
+                <a:tc hMerge="1">
+                  <a:txBody>
+                    <a:bodyPr/>
+                    <a:lstStyle/>
+                    <a:p>
+                      <a:endParaRPr lang="en-IN"/>
+                    </a:p>
+                  </a:txBody>
+                  <a:tcPr/>
+                </a:tc>
+                <a:tc hMerge="1">
+                  <a:txBody>
+                    <a:bodyPr/>
+                    <a:lstStyle/>
+                    <a:p>
+                      <a:endParaRPr lang="en-IN"/>
+                    </a:p>
+                  </a:txBody>
+                  <a:tcPr/>
+                </a:tc>
+                <a:tc hMerge="1">
+                  <a:txBody>
+                    <a:bodyPr/>
+                    <a:lstStyle/>
+                    <a:p>
+                      <a:endParaRPr lang="en-IN"/>
+                    </a:p>
+                  </a:txBody>
+                  <a:tcPr/>
+                </a:tc>
+                <a:extLst>
+                  <a:ext uri="{0D108BD9-81ED-4DB2-BD59-A6C34878D82A}">
+                    <a16:rowId xmlns:a16="http://schemas.microsoft.com/office/drawing/2014/main" val="3662658465"/>
+                  </a:ext>
+                </a:extLst>
+              </a:tr>
+              <a:tr h="204475">
+                <a:tc gridSpan="4">
+                  <a:txBody>
+                    <a:bodyPr/>
+                    <a:lstStyle/>
+                    <a:p>
+                      <a:pPr algn="l">
+                        <a:lnSpc>
+                          <a:spcPct val="125000"/>
+                        </a:lnSpc>
+                      </a:pPr>
+                      <a:r>
+                        <a:rPr lang="en-IN" sz="1200">
+                          <a:effectLst/>
+                        </a:rPr>
+                        <a:t>Organization Details</a:t>
+                      </a:r>
+                      <a:endParaRPr lang="en-IN" sz="1100">
+                        <a:effectLst/>
+                        <a:latin typeface="Cambria" panose="02040503050406030204" pitchFamily="18" charset="0"/>
+                        <a:ea typeface="Times New Roman" panose="02020603050405020304" pitchFamily="18" charset="0"/>
+                        <a:cs typeface="Mangal" panose="02040503050203030202" pitchFamily="18" charset="0"/>
+                      </a:endParaRPr>
+                    </a:p>
+                  </a:txBody>
+                  <a:tcPr marL="66616" marR="66616" marT="0" marB="0"/>
+                </a:tc>
+                <a:tc hMerge="1">
+                  <a:txBody>
+                    <a:bodyPr/>
+                    <a:lstStyle/>
+                    <a:p>
+                      <a:endParaRPr lang="en-IN"/>
+                    </a:p>
+                  </a:txBody>
+                  <a:tcPr/>
+                </a:tc>
+                <a:tc hMerge="1">
+                  <a:txBody>
+                    <a:bodyPr/>
+                    <a:lstStyle/>
+                    <a:p>
+                      <a:endParaRPr lang="en-IN"/>
+                    </a:p>
+                  </a:txBody>
+                  <a:tcPr/>
+                </a:tc>
+                <a:tc hMerge="1">
+                  <a:txBody>
+                    <a:bodyPr/>
+                    <a:lstStyle/>
+                    <a:p>
+                      <a:endParaRPr lang="en-IN"/>
+                    </a:p>
+                  </a:txBody>
+                  <a:tcPr/>
+                </a:tc>
+                <a:extLst>
+                  <a:ext uri="{0D108BD9-81ED-4DB2-BD59-A6C34878D82A}">
+                    <a16:rowId xmlns:a16="http://schemas.microsoft.com/office/drawing/2014/main" val="3095977371"/>
+                  </a:ext>
+                </a:extLst>
+              </a:tr>
+              <a:tr h="204475">
+                <a:tc>
+                  <a:txBody>
+                    <a:bodyPr/>
+                    <a:lstStyle/>
+                    <a:p>
+                      <a:pPr algn="l">
+                        <a:lnSpc>
+                          <a:spcPct val="125000"/>
+                        </a:lnSpc>
+                      </a:pPr>
+                      <a:r>
+                        <a:rPr lang="en-IN" sz="1200">
+                          <a:effectLst/>
+                        </a:rPr>
+                        <a:t>Organization Name</a:t>
+                      </a:r>
+                      <a:endParaRPr lang="en-IN" sz="1100">
+                        <a:effectLst/>
+                        <a:latin typeface="Cambria" panose="02040503050406030204" pitchFamily="18" charset="0"/>
+                        <a:ea typeface="Times New Roman" panose="02020603050405020304" pitchFamily="18" charset="0"/>
+                        <a:cs typeface="Mangal" panose="02040503050203030202" pitchFamily="18" charset="0"/>
+                      </a:endParaRPr>
+                    </a:p>
+                  </a:txBody>
+                  <a:tcPr marL="66616" marR="66616" marT="0" marB="0"/>
+                </a:tc>
+                <a:tc gridSpan="3">
+                  <a:txBody>
+                    <a:bodyPr/>
+                    <a:lstStyle/>
+                    <a:p>
+                      <a:pPr algn="l">
+                        <a:lnSpc>
+                          <a:spcPct val="125000"/>
+                        </a:lnSpc>
+                      </a:pPr>
+                      <a:r>
+                        <a:rPr lang="en-IN" sz="1200">
+                          <a:effectLst/>
+                        </a:rPr>
+                        <a:t>InfoEdge India Limited</a:t>
+                      </a:r>
+                      <a:endParaRPr lang="en-IN" sz="1100">
+                        <a:effectLst/>
+                        <a:latin typeface="Cambria" panose="02040503050406030204" pitchFamily="18" charset="0"/>
+                        <a:ea typeface="Times New Roman" panose="02020603050405020304" pitchFamily="18" charset="0"/>
+                        <a:cs typeface="Mangal" panose="02040503050203030202" pitchFamily="18" charset="0"/>
+                      </a:endParaRPr>
+                    </a:p>
+                  </a:txBody>
+                  <a:tcPr marL="66616" marR="66616" marT="0" marB="0"/>
+                </a:tc>
+                <a:tc hMerge="1">
+                  <a:txBody>
+                    <a:bodyPr/>
+                    <a:lstStyle/>
+                    <a:p>
+                      <a:endParaRPr lang="en-IN"/>
+                    </a:p>
+                  </a:txBody>
+                  <a:tcPr/>
+                </a:tc>
+                <a:tc hMerge="1">
+                  <a:txBody>
+                    <a:bodyPr/>
+                    <a:lstStyle/>
+                    <a:p>
+                      <a:endParaRPr lang="en-IN"/>
+                    </a:p>
+                  </a:txBody>
+                  <a:tcPr/>
+                </a:tc>
+                <a:extLst>
+                  <a:ext uri="{0D108BD9-81ED-4DB2-BD59-A6C34878D82A}">
+                    <a16:rowId xmlns:a16="http://schemas.microsoft.com/office/drawing/2014/main" val="3612319556"/>
+                  </a:ext>
+                </a:extLst>
+              </a:tr>
+              <a:tr h="204475">
+                <a:tc>
+                  <a:txBody>
+                    <a:bodyPr/>
+                    <a:lstStyle/>
+                    <a:p>
+                      <a:pPr algn="l">
+                        <a:lnSpc>
+                          <a:spcPct val="125000"/>
+                        </a:lnSpc>
+                      </a:pPr>
+                      <a:r>
+                        <a:rPr lang="en-IN" sz="1200">
+                          <a:effectLst/>
+                        </a:rPr>
+                        <a:t>Designation</a:t>
+                      </a:r>
+                      <a:endParaRPr lang="en-IN" sz="1100">
+                        <a:effectLst/>
+                        <a:latin typeface="Cambria" panose="02040503050406030204" pitchFamily="18" charset="0"/>
+                        <a:ea typeface="Times New Roman" panose="02020603050405020304" pitchFamily="18" charset="0"/>
+                        <a:cs typeface="Mangal" panose="02040503050203030202" pitchFamily="18" charset="0"/>
+                      </a:endParaRPr>
+                    </a:p>
+                  </a:txBody>
+                  <a:tcPr marL="66616" marR="66616" marT="0" marB="0"/>
+                </a:tc>
+                <a:tc gridSpan="3">
+                  <a:txBody>
+                    <a:bodyPr/>
+                    <a:lstStyle/>
+                    <a:p>
+                      <a:pPr algn="l">
+                        <a:lnSpc>
+                          <a:spcPct val="125000"/>
+                        </a:lnSpc>
+                      </a:pPr>
+                      <a:r>
+                        <a:rPr lang="en-IN" sz="1200">
+                          <a:effectLst/>
+                        </a:rPr>
+                        <a:t>Software Development Intern</a:t>
+                      </a:r>
+                      <a:endParaRPr lang="en-IN" sz="1100">
+                        <a:effectLst/>
+                        <a:latin typeface="Cambria" panose="02040503050406030204" pitchFamily="18" charset="0"/>
+                        <a:ea typeface="Times New Roman" panose="02020603050405020304" pitchFamily="18" charset="0"/>
+                        <a:cs typeface="Mangal" panose="02040503050203030202" pitchFamily="18" charset="0"/>
+                      </a:endParaRPr>
+                    </a:p>
+                  </a:txBody>
+                  <a:tcPr marL="66616" marR="66616" marT="0" marB="0"/>
+                </a:tc>
+                <a:tc hMerge="1">
+                  <a:txBody>
+                    <a:bodyPr/>
+                    <a:lstStyle/>
+                    <a:p>
+                      <a:endParaRPr lang="en-IN"/>
+                    </a:p>
+                  </a:txBody>
+                  <a:tcPr/>
+                </a:tc>
+                <a:tc hMerge="1">
+                  <a:txBody>
+                    <a:bodyPr/>
+                    <a:lstStyle/>
+                    <a:p>
+                      <a:endParaRPr lang="en-IN"/>
+                    </a:p>
+                  </a:txBody>
+                  <a:tcPr/>
+                </a:tc>
+                <a:extLst>
+                  <a:ext uri="{0D108BD9-81ED-4DB2-BD59-A6C34878D82A}">
+                    <a16:rowId xmlns:a16="http://schemas.microsoft.com/office/drawing/2014/main" val="3528641084"/>
+                  </a:ext>
+                </a:extLst>
+              </a:tr>
+              <a:tr h="204475">
+                <a:tc>
+                  <a:txBody>
+                    <a:bodyPr/>
+                    <a:lstStyle/>
+                    <a:p>
+                      <a:pPr algn="l">
+                        <a:lnSpc>
+                          <a:spcPct val="125000"/>
+                        </a:lnSpc>
+                      </a:pPr>
+                      <a:r>
+                        <a:rPr lang="en-IN" sz="1200">
+                          <a:effectLst/>
+                        </a:rPr>
+                        <a:t>Full postal address</a:t>
+                      </a:r>
+                      <a:endParaRPr lang="en-IN" sz="1100">
+                        <a:effectLst/>
+                        <a:latin typeface="Cambria" panose="02040503050406030204" pitchFamily="18" charset="0"/>
+                        <a:ea typeface="Times New Roman" panose="02020603050405020304" pitchFamily="18" charset="0"/>
+                        <a:cs typeface="Mangal" panose="02040503050203030202" pitchFamily="18" charset="0"/>
+                      </a:endParaRPr>
+                    </a:p>
+                  </a:txBody>
+                  <a:tcPr marL="66616" marR="66616" marT="0" marB="0"/>
+                </a:tc>
+                <a:tc gridSpan="3">
+                  <a:txBody>
+                    <a:bodyPr/>
+                    <a:lstStyle/>
+                    <a:p>
+                      <a:pPr algn="l">
+                        <a:lnSpc>
+                          <a:spcPct val="125000"/>
+                        </a:lnSpc>
+                      </a:pPr>
+                      <a:r>
+                        <a:rPr lang="en-IN" sz="1200">
+                          <a:effectLst/>
+                        </a:rPr>
+                        <a:t>Info Edge (India) Limited, B - 8, Sector - 132, Noida - 201304, India</a:t>
+                      </a:r>
+                      <a:endParaRPr lang="en-IN" sz="1100">
+                        <a:effectLst/>
+                        <a:latin typeface="Cambria" panose="02040503050406030204" pitchFamily="18" charset="0"/>
+                        <a:ea typeface="Times New Roman" panose="02020603050405020304" pitchFamily="18" charset="0"/>
+                        <a:cs typeface="Mangal" panose="02040503050203030202" pitchFamily="18" charset="0"/>
+                      </a:endParaRPr>
+                    </a:p>
+                  </a:txBody>
+                  <a:tcPr marL="66616" marR="66616" marT="0" marB="0"/>
+                </a:tc>
+                <a:tc hMerge="1">
+                  <a:txBody>
+                    <a:bodyPr/>
+                    <a:lstStyle/>
+                    <a:p>
+                      <a:endParaRPr lang="en-IN"/>
+                    </a:p>
+                  </a:txBody>
+                  <a:tcPr/>
+                </a:tc>
+                <a:tc hMerge="1">
+                  <a:txBody>
+                    <a:bodyPr/>
+                    <a:lstStyle/>
+                    <a:p>
+                      <a:endParaRPr lang="en-IN"/>
+                    </a:p>
+                  </a:txBody>
+                  <a:tcPr/>
+                </a:tc>
+                <a:extLst>
+                  <a:ext uri="{0D108BD9-81ED-4DB2-BD59-A6C34878D82A}">
+                    <a16:rowId xmlns:a16="http://schemas.microsoft.com/office/drawing/2014/main" val="4197619304"/>
+                  </a:ext>
+                </a:extLst>
+              </a:tr>
+              <a:tr h="204475">
+                <a:tc>
+                  <a:txBody>
+                    <a:bodyPr/>
+                    <a:lstStyle/>
+                    <a:p>
+                      <a:pPr algn="l">
+                        <a:lnSpc>
+                          <a:spcPct val="125000"/>
+                        </a:lnSpc>
+                      </a:pPr>
+                      <a:r>
+                        <a:rPr lang="en-IN" sz="1200">
+                          <a:effectLst/>
+                        </a:rPr>
+                        <a:t>Website address</a:t>
+                      </a:r>
+                      <a:endParaRPr lang="en-IN" sz="1100">
+                        <a:effectLst/>
+                        <a:latin typeface="Cambria" panose="02040503050406030204" pitchFamily="18" charset="0"/>
+                        <a:ea typeface="Times New Roman" panose="02020603050405020304" pitchFamily="18" charset="0"/>
+                        <a:cs typeface="Mangal" panose="02040503050203030202" pitchFamily="18" charset="0"/>
+                      </a:endParaRPr>
+                    </a:p>
+                  </a:txBody>
+                  <a:tcPr marL="66616" marR="66616" marT="0" marB="0"/>
+                </a:tc>
+                <a:tc gridSpan="3">
+                  <a:txBody>
+                    <a:bodyPr/>
+                    <a:lstStyle/>
+                    <a:p>
+                      <a:pPr algn="l">
+                        <a:lnSpc>
+                          <a:spcPct val="125000"/>
+                        </a:lnSpc>
+                      </a:pPr>
+                      <a:r>
+                        <a:rPr lang="en-IN" sz="1100">
+                          <a:effectLst/>
+                        </a:rPr>
+                        <a:t>http:</a:t>
+                      </a:r>
+                      <a:r>
+                        <a:rPr lang="en-IN" sz="900">
+                          <a:effectLst/>
+                        </a:rPr>
+                        <a:t>//</a:t>
+                      </a:r>
+                      <a:r>
+                        <a:rPr lang="en-IN" sz="1100">
+                          <a:effectLst/>
+                        </a:rPr>
+                        <a:t>www.infoedge.in</a:t>
+                      </a:r>
+                      <a:r>
+                        <a:rPr lang="en-IN" sz="900">
+                          <a:effectLst/>
+                        </a:rPr>
+                        <a:t>/</a:t>
+                      </a:r>
+                      <a:endParaRPr lang="en-IN" sz="1100">
+                        <a:effectLst/>
+                        <a:latin typeface="Cambria" panose="02040503050406030204" pitchFamily="18" charset="0"/>
+                        <a:ea typeface="Times New Roman" panose="02020603050405020304" pitchFamily="18" charset="0"/>
+                        <a:cs typeface="Mangal" panose="02040503050203030202" pitchFamily="18" charset="0"/>
+                      </a:endParaRPr>
+                    </a:p>
+                  </a:txBody>
+                  <a:tcPr marL="66616" marR="66616" marT="0" marB="0"/>
+                </a:tc>
+                <a:tc hMerge="1">
+                  <a:txBody>
+                    <a:bodyPr/>
+                    <a:lstStyle/>
+                    <a:p>
+                      <a:endParaRPr lang="en-IN"/>
+                    </a:p>
+                  </a:txBody>
+                  <a:tcPr/>
+                </a:tc>
+                <a:tc hMerge="1">
+                  <a:txBody>
+                    <a:bodyPr/>
+                    <a:lstStyle/>
+                    <a:p>
+                      <a:endParaRPr lang="en-IN"/>
+                    </a:p>
+                  </a:txBody>
+                  <a:tcPr/>
+                </a:tc>
+                <a:extLst>
+                  <a:ext uri="{0D108BD9-81ED-4DB2-BD59-A6C34878D82A}">
+                    <a16:rowId xmlns:a16="http://schemas.microsoft.com/office/drawing/2014/main" val="4075143168"/>
+                  </a:ext>
+                </a:extLst>
+              </a:tr>
+              <a:tr h="204475">
+                <a:tc gridSpan="4">
+                  <a:txBody>
+                    <a:bodyPr/>
+                    <a:lstStyle/>
+                    <a:p>
+                      <a:pPr algn="l">
+                        <a:lnSpc>
+                          <a:spcPct val="125000"/>
+                        </a:lnSpc>
+                      </a:pPr>
+                      <a:r>
+                        <a:rPr lang="en-IN" sz="1200">
+                          <a:effectLst/>
+                        </a:rPr>
+                        <a:t> </a:t>
+                      </a:r>
+                      <a:endParaRPr lang="en-IN" sz="1100">
+                        <a:effectLst/>
+                        <a:latin typeface="Cambria" panose="02040503050406030204" pitchFamily="18" charset="0"/>
+                        <a:ea typeface="Times New Roman" panose="02020603050405020304" pitchFamily="18" charset="0"/>
+                        <a:cs typeface="Mangal" panose="02040503050203030202" pitchFamily="18" charset="0"/>
+                      </a:endParaRPr>
+                    </a:p>
+                  </a:txBody>
+                  <a:tcPr marL="66616" marR="66616" marT="0" marB="0"/>
+                </a:tc>
+                <a:tc hMerge="1">
+                  <a:txBody>
+                    <a:bodyPr/>
+                    <a:lstStyle/>
+                    <a:p>
+                      <a:endParaRPr lang="en-IN"/>
+                    </a:p>
+                  </a:txBody>
+                  <a:tcPr/>
+                </a:tc>
+                <a:tc hMerge="1">
+                  <a:txBody>
+                    <a:bodyPr/>
+                    <a:lstStyle/>
+                    <a:p>
+                      <a:endParaRPr lang="en-IN"/>
+                    </a:p>
+                  </a:txBody>
+                  <a:tcPr/>
+                </a:tc>
+                <a:tc hMerge="1">
+                  <a:txBody>
+                    <a:bodyPr/>
+                    <a:lstStyle/>
+                    <a:p>
+                      <a:endParaRPr lang="en-IN"/>
+                    </a:p>
+                  </a:txBody>
+                  <a:tcPr/>
+                </a:tc>
+                <a:extLst>
+                  <a:ext uri="{0D108BD9-81ED-4DB2-BD59-A6C34878D82A}">
+                    <a16:rowId xmlns:a16="http://schemas.microsoft.com/office/drawing/2014/main" val="3547993742"/>
+                  </a:ext>
+                </a:extLst>
+              </a:tr>
+              <a:tr h="204475">
+                <a:tc gridSpan="4">
+                  <a:txBody>
+                    <a:bodyPr/>
+                    <a:lstStyle/>
+                    <a:p>
+                      <a:pPr algn="l">
+                        <a:lnSpc>
+                          <a:spcPct val="125000"/>
+                        </a:lnSpc>
+                      </a:pPr>
+                      <a:r>
+                        <a:rPr lang="en-IN" sz="1200">
+                          <a:effectLst/>
+                        </a:rPr>
+                        <a:t>Supervisor Details</a:t>
+                      </a:r>
+                      <a:endParaRPr lang="en-IN" sz="1100">
+                        <a:effectLst/>
+                        <a:latin typeface="Cambria" panose="02040503050406030204" pitchFamily="18" charset="0"/>
+                        <a:ea typeface="Times New Roman" panose="02020603050405020304" pitchFamily="18" charset="0"/>
+                        <a:cs typeface="Mangal" panose="02040503050203030202" pitchFamily="18" charset="0"/>
+                      </a:endParaRPr>
+                    </a:p>
+                  </a:txBody>
+                  <a:tcPr marL="66616" marR="66616" marT="0" marB="0"/>
+                </a:tc>
+                <a:tc hMerge="1">
+                  <a:txBody>
+                    <a:bodyPr/>
+                    <a:lstStyle/>
+                    <a:p>
+                      <a:endParaRPr lang="en-IN"/>
+                    </a:p>
+                  </a:txBody>
+                  <a:tcPr/>
+                </a:tc>
+                <a:tc hMerge="1">
+                  <a:txBody>
+                    <a:bodyPr/>
+                    <a:lstStyle/>
+                    <a:p>
+                      <a:endParaRPr lang="en-IN"/>
+                    </a:p>
+                  </a:txBody>
+                  <a:tcPr/>
+                </a:tc>
+                <a:tc hMerge="1">
+                  <a:txBody>
+                    <a:bodyPr/>
+                    <a:lstStyle/>
+                    <a:p>
+                      <a:endParaRPr lang="en-IN"/>
+                    </a:p>
+                  </a:txBody>
+                  <a:tcPr/>
+                </a:tc>
+                <a:extLst>
+                  <a:ext uri="{0D108BD9-81ED-4DB2-BD59-A6C34878D82A}">
+                    <a16:rowId xmlns:a16="http://schemas.microsoft.com/office/drawing/2014/main" val="3252830233"/>
+                  </a:ext>
+                </a:extLst>
+              </a:tr>
+              <a:tr h="204475">
+                <a:tc>
+                  <a:txBody>
+                    <a:bodyPr/>
+                    <a:lstStyle/>
+                    <a:p>
+                      <a:pPr algn="l">
+                        <a:lnSpc>
+                          <a:spcPct val="125000"/>
+                        </a:lnSpc>
+                      </a:pPr>
+                      <a:r>
+                        <a:rPr lang="en-IN" sz="1200">
+                          <a:effectLst/>
+                        </a:rPr>
+                        <a:t>Supervisor Name</a:t>
+                      </a:r>
+                      <a:endParaRPr lang="en-IN" sz="1100">
+                        <a:effectLst/>
+                        <a:latin typeface="Cambria" panose="02040503050406030204" pitchFamily="18" charset="0"/>
+                        <a:ea typeface="Times New Roman" panose="02020603050405020304" pitchFamily="18" charset="0"/>
+                        <a:cs typeface="Mangal" panose="02040503050203030202" pitchFamily="18" charset="0"/>
+                      </a:endParaRPr>
+                    </a:p>
+                  </a:txBody>
+                  <a:tcPr marL="66616" marR="66616" marT="0" marB="0"/>
+                </a:tc>
+                <a:tc gridSpan="3">
+                  <a:txBody>
+                    <a:bodyPr/>
+                    <a:lstStyle/>
+                    <a:p>
+                      <a:pPr algn="l">
+                        <a:lnSpc>
+                          <a:spcPct val="125000"/>
+                        </a:lnSpc>
+                      </a:pPr>
+                      <a:r>
+                        <a:rPr lang="en-IN" sz="1200">
+                          <a:effectLst/>
+                        </a:rPr>
+                        <a:t>Dr Rashmi Panda</a:t>
+                      </a:r>
+                      <a:endParaRPr lang="en-IN" sz="1100">
+                        <a:effectLst/>
+                        <a:latin typeface="Cambria" panose="02040503050406030204" pitchFamily="18" charset="0"/>
+                        <a:ea typeface="Times New Roman" panose="02020603050405020304" pitchFamily="18" charset="0"/>
+                        <a:cs typeface="Mangal" panose="02040503050203030202" pitchFamily="18" charset="0"/>
+                      </a:endParaRPr>
+                    </a:p>
+                  </a:txBody>
+                  <a:tcPr marL="66616" marR="66616" marT="0" marB="0"/>
+                </a:tc>
+                <a:tc hMerge="1">
+                  <a:txBody>
+                    <a:bodyPr/>
+                    <a:lstStyle/>
+                    <a:p>
+                      <a:endParaRPr lang="en-IN"/>
+                    </a:p>
+                  </a:txBody>
+                  <a:tcPr/>
+                </a:tc>
+                <a:tc hMerge="1">
+                  <a:txBody>
+                    <a:bodyPr/>
+                    <a:lstStyle/>
+                    <a:p>
+                      <a:endParaRPr lang="en-IN"/>
+                    </a:p>
+                  </a:txBody>
+                  <a:tcPr/>
+                </a:tc>
+                <a:extLst>
+                  <a:ext uri="{0D108BD9-81ED-4DB2-BD59-A6C34878D82A}">
+                    <a16:rowId xmlns:a16="http://schemas.microsoft.com/office/drawing/2014/main" val="3187881780"/>
+                  </a:ext>
+                </a:extLst>
+              </a:tr>
+              <a:tr h="204475">
+                <a:tc>
+                  <a:txBody>
+                    <a:bodyPr/>
+                    <a:lstStyle/>
+                    <a:p>
+                      <a:pPr algn="l">
+                        <a:lnSpc>
+                          <a:spcPct val="125000"/>
+                        </a:lnSpc>
+                      </a:pPr>
+                      <a:r>
+                        <a:rPr lang="en-IN" sz="1200">
+                          <a:effectLst/>
+                        </a:rPr>
+                        <a:t>Designation</a:t>
+                      </a:r>
+                      <a:endParaRPr lang="en-IN" sz="1100">
+                        <a:effectLst/>
+                        <a:latin typeface="Cambria" panose="02040503050406030204" pitchFamily="18" charset="0"/>
+                        <a:ea typeface="Times New Roman" panose="02020603050405020304" pitchFamily="18" charset="0"/>
+                        <a:cs typeface="Mangal" panose="02040503050203030202" pitchFamily="18" charset="0"/>
+                      </a:endParaRPr>
+                    </a:p>
+                  </a:txBody>
+                  <a:tcPr marL="66616" marR="66616" marT="0" marB="0"/>
+                </a:tc>
+                <a:tc gridSpan="3">
+                  <a:txBody>
+                    <a:bodyPr/>
+                    <a:lstStyle/>
+                    <a:p>
+                      <a:pPr algn="l">
+                        <a:lnSpc>
+                          <a:spcPct val="125000"/>
+                        </a:lnSpc>
+                      </a:pPr>
+                      <a:r>
+                        <a:rPr lang="en-IN" sz="1200">
+                          <a:effectLst/>
+                        </a:rPr>
+                        <a:t>Assistant Professor (ECE Department)</a:t>
+                      </a:r>
+                      <a:endParaRPr lang="en-IN" sz="1100">
+                        <a:effectLst/>
+                        <a:latin typeface="Cambria" panose="02040503050406030204" pitchFamily="18" charset="0"/>
+                        <a:ea typeface="Times New Roman" panose="02020603050405020304" pitchFamily="18" charset="0"/>
+                        <a:cs typeface="Mangal" panose="02040503050203030202" pitchFamily="18" charset="0"/>
+                      </a:endParaRPr>
+                    </a:p>
+                  </a:txBody>
+                  <a:tcPr marL="66616" marR="66616" marT="0" marB="0"/>
+                </a:tc>
+                <a:tc hMerge="1">
+                  <a:txBody>
+                    <a:bodyPr/>
+                    <a:lstStyle/>
+                    <a:p>
+                      <a:endParaRPr lang="en-IN"/>
+                    </a:p>
+                  </a:txBody>
+                  <a:tcPr/>
+                </a:tc>
+                <a:tc hMerge="1">
+                  <a:txBody>
+                    <a:bodyPr/>
+                    <a:lstStyle/>
+                    <a:p>
+                      <a:endParaRPr lang="en-IN"/>
+                    </a:p>
+                  </a:txBody>
+                  <a:tcPr/>
+                </a:tc>
+                <a:extLst>
+                  <a:ext uri="{0D108BD9-81ED-4DB2-BD59-A6C34878D82A}">
+                    <a16:rowId xmlns:a16="http://schemas.microsoft.com/office/drawing/2014/main" val="1770335403"/>
+                  </a:ext>
+                </a:extLst>
+              </a:tr>
+              <a:tr h="255979">
+                <a:tc>
+                  <a:txBody>
+                    <a:bodyPr/>
+                    <a:lstStyle/>
+                    <a:p>
+                      <a:pPr algn="l">
+                        <a:lnSpc>
+                          <a:spcPct val="125000"/>
+                        </a:lnSpc>
+                      </a:pPr>
+                      <a:r>
+                        <a:rPr lang="en-IN" sz="1200">
+                          <a:effectLst/>
+                        </a:rPr>
+                        <a:t>Full contact address </a:t>
+                      </a:r>
+                      <a:endParaRPr lang="en-IN" sz="1100">
+                        <a:effectLst/>
+                        <a:latin typeface="Cambria" panose="02040503050406030204" pitchFamily="18" charset="0"/>
+                        <a:ea typeface="Times New Roman" panose="02020603050405020304" pitchFamily="18" charset="0"/>
+                        <a:cs typeface="Mangal" panose="02040503050203030202" pitchFamily="18" charset="0"/>
+                      </a:endParaRPr>
+                    </a:p>
+                  </a:txBody>
+                  <a:tcPr marL="66616" marR="66616" marT="0" marB="0"/>
+                </a:tc>
+                <a:tc gridSpan="3">
+                  <a:txBody>
+                    <a:bodyPr/>
+                    <a:lstStyle/>
+                    <a:p>
+                      <a:pPr algn="l">
+                        <a:lnSpc>
+                          <a:spcPct val="125000"/>
+                        </a:lnSpc>
+                      </a:pPr>
+                      <a:r>
+                        <a:rPr lang="en-IN" sz="1200">
+                          <a:effectLst/>
+                        </a:rPr>
+                        <a:t>IIIT Ranchi, Science and Technology Campus, Namkum, Ranchi - 834010</a:t>
+                      </a:r>
+                      <a:endParaRPr lang="en-IN" sz="1100">
+                        <a:effectLst/>
+                        <a:latin typeface="Cambria" panose="02040503050406030204" pitchFamily="18" charset="0"/>
+                        <a:ea typeface="Times New Roman" panose="02020603050405020304" pitchFamily="18" charset="0"/>
+                        <a:cs typeface="Mangal" panose="02040503050203030202" pitchFamily="18" charset="0"/>
+                      </a:endParaRPr>
+                    </a:p>
+                  </a:txBody>
+                  <a:tcPr marL="66616" marR="66616" marT="0" marB="0"/>
+                </a:tc>
+                <a:tc hMerge="1">
+                  <a:txBody>
+                    <a:bodyPr/>
+                    <a:lstStyle/>
+                    <a:p>
+                      <a:endParaRPr lang="en-IN"/>
+                    </a:p>
+                  </a:txBody>
+                  <a:tcPr/>
+                </a:tc>
+                <a:tc hMerge="1">
+                  <a:txBody>
+                    <a:bodyPr/>
+                    <a:lstStyle/>
+                    <a:p>
+                      <a:endParaRPr lang="en-IN"/>
+                    </a:p>
+                  </a:txBody>
+                  <a:tcPr/>
+                </a:tc>
+                <a:extLst>
+                  <a:ext uri="{0D108BD9-81ED-4DB2-BD59-A6C34878D82A}">
+                    <a16:rowId xmlns:a16="http://schemas.microsoft.com/office/drawing/2014/main" val="892164342"/>
+                  </a:ext>
+                </a:extLst>
+              </a:tr>
+              <a:tr h="204475">
+                <a:tc>
+                  <a:txBody>
+                    <a:bodyPr/>
+                    <a:lstStyle/>
+                    <a:p>
+                      <a:pPr algn="l">
+                        <a:lnSpc>
+                          <a:spcPct val="125000"/>
+                        </a:lnSpc>
+                      </a:pPr>
+                      <a:r>
+                        <a:rPr lang="en-IN" sz="1200">
+                          <a:effectLst/>
+                        </a:rPr>
+                        <a:t>Email address</a:t>
+                      </a:r>
+                      <a:endParaRPr lang="en-IN" sz="1100">
+                        <a:effectLst/>
+                        <a:latin typeface="Cambria" panose="02040503050406030204" pitchFamily="18" charset="0"/>
+                        <a:ea typeface="Times New Roman" panose="02020603050405020304" pitchFamily="18" charset="0"/>
+                        <a:cs typeface="Mangal" panose="02040503050203030202" pitchFamily="18" charset="0"/>
+                      </a:endParaRPr>
+                    </a:p>
+                  </a:txBody>
+                  <a:tcPr marL="66616" marR="66616" marT="0" marB="0"/>
+                </a:tc>
+                <a:tc>
+                  <a:txBody>
+                    <a:bodyPr/>
+                    <a:lstStyle/>
+                    <a:p>
+                      <a:pPr algn="l">
+                        <a:lnSpc>
+                          <a:spcPct val="125000"/>
+                        </a:lnSpc>
+                      </a:pPr>
+                      <a:r>
+                        <a:rPr lang="en-IN" sz="1100" u="none" strike="noStrike">
+                          <a:effectLst/>
+                          <a:hlinkClick r:id="rId2"/>
+                        </a:rPr>
+                        <a:t>rashmipanda@iiitranchi.ac.in</a:t>
+                      </a:r>
+                      <a:endParaRPr lang="en-IN" sz="1100">
+                        <a:effectLst/>
+                        <a:latin typeface="Cambria" panose="02040503050406030204" pitchFamily="18" charset="0"/>
+                        <a:ea typeface="Times New Roman" panose="02020603050405020304" pitchFamily="18" charset="0"/>
+                        <a:cs typeface="Mangal" panose="02040503050203030202" pitchFamily="18" charset="0"/>
+                      </a:endParaRPr>
+                    </a:p>
+                  </a:txBody>
+                  <a:tcPr marL="66616" marR="66616" marT="0" marB="0"/>
+                </a:tc>
+                <a:tc>
+                  <a:txBody>
+                    <a:bodyPr/>
+                    <a:lstStyle/>
+                    <a:p>
+                      <a:pPr algn="l">
+                        <a:lnSpc>
+                          <a:spcPct val="125000"/>
+                        </a:lnSpc>
+                      </a:pPr>
+                      <a:r>
+                        <a:rPr lang="en-IN" sz="1200">
+                          <a:effectLst/>
+                        </a:rPr>
+                        <a:t>Phone No (M)</a:t>
+                      </a:r>
+                      <a:endParaRPr lang="en-IN" sz="1100">
+                        <a:effectLst/>
+                        <a:latin typeface="Cambria" panose="02040503050406030204" pitchFamily="18" charset="0"/>
+                        <a:ea typeface="Times New Roman" panose="02020603050405020304" pitchFamily="18" charset="0"/>
+                        <a:cs typeface="Mangal" panose="02040503050203030202" pitchFamily="18" charset="0"/>
+                      </a:endParaRPr>
+                    </a:p>
+                  </a:txBody>
+                  <a:tcPr marL="66616" marR="66616" marT="0" marB="0"/>
+                </a:tc>
+                <a:tc>
+                  <a:txBody>
+                    <a:bodyPr/>
+                    <a:lstStyle/>
+                    <a:p>
+                      <a:pPr algn="l">
+                        <a:lnSpc>
+                          <a:spcPct val="125000"/>
+                        </a:lnSpc>
+                      </a:pPr>
+                      <a:r>
+                        <a:rPr lang="en-IN" sz="1200" dirty="0">
+                          <a:effectLst/>
+                        </a:rPr>
+                        <a:t>9861144096</a:t>
+                      </a:r>
+                      <a:endParaRPr lang="en-IN" sz="1100" dirty="0">
+                        <a:effectLst/>
+                        <a:latin typeface="Cambria" panose="02040503050406030204" pitchFamily="18" charset="0"/>
+                        <a:ea typeface="Times New Roman" panose="02020603050405020304" pitchFamily="18" charset="0"/>
+                        <a:cs typeface="Mangal" panose="02040503050203030202" pitchFamily="18" charset="0"/>
+                      </a:endParaRPr>
+                    </a:p>
+                  </a:txBody>
+                  <a:tcPr marL="66616" marR="66616" marT="0" marB="0"/>
+                </a:tc>
+                <a:extLst>
+                  <a:ext uri="{0D108BD9-81ED-4DB2-BD59-A6C34878D82A}">
+                    <a16:rowId xmlns:a16="http://schemas.microsoft.com/office/drawing/2014/main" val="2676589107"/>
+                  </a:ext>
+                </a:extLst>
+              </a:tr>
+            </a:tbl>
+          </a:graphicData>
+        </a:graphic>
+      </p:graphicFrame>
       <p:pic>
         <p:nvPicPr>
           <p:cNvPr id="4" name="Picture 7">
@@ -4326,7 +7688,7 @@
           <p:nvPr/>
         </p:nvPicPr>
         <p:blipFill>
-          <a:blip r:embed="rId2">
+          <a:blip r:embed="rId3">
             <a:extLst>
               <a:ext uri="{28A0092B-C50C-407E-A947-70E740481C1C}">
                 <a14:useLocalDpi xmlns:a14="http://schemas.microsoft.com/office/drawing/2010/main" val="0"/>
@@ -4411,6 +7773,396 @@
           <a:p>
             <a:r>
               <a:rPr lang="en-IN" b="1" dirty="0"/>
+              <a:t>Outline</a:t>
+            </a:r>
+          </a:p>
+        </p:txBody>
+      </p:sp>
+      <p:pic>
+        <p:nvPicPr>
+          <p:cNvPr id="4" name="Picture 7">
+            <a:extLst>
+              <a:ext uri="{FF2B5EF4-FFF2-40B4-BE49-F238E27FC236}">
+                <a16:creationId xmlns:a16="http://schemas.microsoft.com/office/drawing/2014/main" id="{A3B6A24E-442E-4C40-ACD9-23E82280DC80}"/>
+              </a:ext>
+            </a:extLst>
+          </p:cNvPr>
+          <p:cNvPicPr>
+            <a:picLocks noChangeAspect="1" noChangeArrowheads="1"/>
+          </p:cNvPicPr>
+          <p:nvPr/>
+        </p:nvPicPr>
+        <p:blipFill>
+          <a:blip r:embed="rId2">
+            <a:extLst>
+              <a:ext uri="{28A0092B-C50C-407E-A947-70E740481C1C}">
+                <a14:useLocalDpi xmlns:a14="http://schemas.microsoft.com/office/drawing/2010/main" val="0"/>
+              </a:ext>
+            </a:extLst>
+          </a:blip>
+          <a:srcRect/>
+          <a:stretch>
+            <a:fillRect/>
+          </a:stretch>
+        </p:blipFill>
+        <p:spPr bwMode="auto">
+          <a:xfrm>
+            <a:off x="9725025" y="375443"/>
+            <a:ext cx="1628775" cy="1304925"/>
+          </a:xfrm>
+          <a:prstGeom prst="rect">
+            <a:avLst/>
+          </a:prstGeom>
+          <a:noFill/>
+          <a:extLst>
+            <a:ext uri="{909E8E84-426E-40DD-AFC4-6F175D3DCCD1}">
+              <a14:hiddenFill xmlns:a14="http://schemas.microsoft.com/office/drawing/2010/main">
+                <a:solidFill>
+                  <a:srgbClr val="FFFFFF"/>
+                </a:solidFill>
+              </a14:hiddenFill>
+            </a:ext>
+          </a:extLst>
+        </p:spPr>
+      </p:pic>
+      <p:sp>
+        <p:nvSpPr>
+          <p:cNvPr id="5" name="Content Placeholder 4">
+            <a:extLst>
+              <a:ext uri="{FF2B5EF4-FFF2-40B4-BE49-F238E27FC236}">
+                <a16:creationId xmlns:a16="http://schemas.microsoft.com/office/drawing/2014/main" id="{ECDCFCFA-9257-4794-B982-519B11CB7B77}"/>
+              </a:ext>
+            </a:extLst>
+          </p:cNvPr>
+          <p:cNvSpPr>
+            <a:spLocks noGrp="1"/>
+          </p:cNvSpPr>
+          <p:nvPr>
+            <p:ph idx="1"/>
+          </p:nvPr>
+        </p:nvSpPr>
+        <p:spPr/>
+        <p:txBody>
+          <a:bodyPr>
+            <a:normAutofit/>
+          </a:bodyPr>
+          <a:lstStyle/>
+          <a:p>
+            <a:pPr marL="0" indent="0">
+              <a:buNone/>
+            </a:pPr>
+            <a:r>
+              <a:rPr lang="en-IN" b="1" dirty="0"/>
+              <a:t>Introduction               ………………………………………………………..   4</a:t>
+            </a:r>
+          </a:p>
+          <a:p>
+            <a:pPr marL="0" indent="0">
+              <a:buNone/>
+            </a:pPr>
+            <a:r>
+              <a:rPr lang="en-IN" b="1" dirty="0"/>
+              <a:t>Motivation                  ………………………………………………………..   5</a:t>
+            </a:r>
+          </a:p>
+          <a:p>
+            <a:pPr marL="0" indent="0">
+              <a:buNone/>
+            </a:pPr>
+            <a:r>
+              <a:rPr lang="en-IN" b="1" dirty="0"/>
+              <a:t>Methodology              ………………………………………………………..   6</a:t>
+            </a:r>
+          </a:p>
+          <a:p>
+            <a:pPr marL="0" indent="0">
+              <a:buNone/>
+            </a:pPr>
+            <a:r>
+              <a:rPr lang="en-IN" b="1" dirty="0"/>
+              <a:t>Implementation         ………………………………………………………..   9</a:t>
+            </a:r>
+          </a:p>
+          <a:p>
+            <a:pPr marL="0" indent="0">
+              <a:buNone/>
+            </a:pPr>
+            <a:r>
+              <a:rPr lang="en-IN" b="1" dirty="0"/>
+              <a:t>Result and Analysis   ………………………………………………………..  17</a:t>
+            </a:r>
+          </a:p>
+          <a:p>
+            <a:pPr marL="0" indent="0">
+              <a:buNone/>
+            </a:pPr>
+            <a:r>
+              <a:rPr lang="en-IN" b="1" dirty="0"/>
+              <a:t>Conclusion                  ………………………………………………………..  18</a:t>
+            </a:r>
+          </a:p>
+          <a:p>
+            <a:pPr marL="0" indent="0">
+              <a:buNone/>
+            </a:pPr>
+            <a:r>
+              <a:rPr lang="en-IN" b="1" dirty="0"/>
+              <a:t>Future Work               ………………………………………………………..  19</a:t>
+            </a:r>
+          </a:p>
+          <a:p>
+            <a:pPr marL="0" indent="0">
+              <a:buNone/>
+            </a:pPr>
+            <a:endParaRPr lang="en-IN" sz="2000" dirty="0"/>
+          </a:p>
+          <a:p>
+            <a:pPr marL="0" indent="0">
+              <a:buNone/>
+            </a:pPr>
+            <a:r>
+              <a:rPr lang="en-IN" sz="2000" dirty="0"/>
+              <a:t>App Demonstration during presentation of Result and Analysis</a:t>
+            </a:r>
+          </a:p>
+          <a:p>
+            <a:endParaRPr lang="en-IN" dirty="0"/>
+          </a:p>
+          <a:p>
+            <a:endParaRPr lang="en-IN" dirty="0"/>
+          </a:p>
+        </p:txBody>
+      </p:sp>
+    </p:spTree>
+    <p:extLst>
+      <p:ext uri="{BB962C8B-B14F-4D97-AF65-F5344CB8AC3E}">
+        <p14:creationId xmlns:p14="http://schemas.microsoft.com/office/powerpoint/2010/main" val="101109429"/>
+      </p:ext>
+    </p:extLst>
+  </p:cSld>
+  <p:clrMapOvr>
+    <a:masterClrMapping/>
+  </p:clrMapOvr>
+</p:sld>
+</file>
+
+<file path=ppt/slides/slide4.xml><?xml version="1.0" encoding="utf-8"?>
+<p:sld xmlns:a="http://schemas.openxmlformats.org/drawingml/2006/main" xmlns:r="http://schemas.openxmlformats.org/officeDocument/2006/relationships" xmlns:p="http://schemas.openxmlformats.org/presentationml/2006/main">
+  <p:cSld>
+    <p:spTree>
+      <p:nvGrpSpPr>
+        <p:cNvPr id="1" name=""/>
+        <p:cNvGrpSpPr/>
+        <p:nvPr/>
+      </p:nvGrpSpPr>
+      <p:grpSpPr>
+        <a:xfrm>
+          <a:off x="0" y="0"/>
+          <a:ext cx="0" cy="0"/>
+          <a:chOff x="0" y="0"/>
+          <a:chExt cx="0" cy="0"/>
+        </a:xfrm>
+      </p:grpSpPr>
+      <p:sp>
+        <p:nvSpPr>
+          <p:cNvPr id="2" name="Title 1">
+            <a:extLst>
+              <a:ext uri="{FF2B5EF4-FFF2-40B4-BE49-F238E27FC236}">
+                <a16:creationId xmlns:a16="http://schemas.microsoft.com/office/drawing/2014/main" id="{078945BF-047F-4163-9CCE-0202B64CFA0C}"/>
+              </a:ext>
+            </a:extLst>
+          </p:cNvPr>
+          <p:cNvSpPr>
+            <a:spLocks noGrp="1"/>
+          </p:cNvSpPr>
+          <p:nvPr>
+            <p:ph type="title"/>
+          </p:nvPr>
+        </p:nvSpPr>
+        <p:spPr/>
+        <p:txBody>
+          <a:bodyPr/>
+          <a:lstStyle/>
+          <a:p>
+            <a:r>
+              <a:rPr lang="en-IN" b="1" dirty="0"/>
+              <a:t>Introduction</a:t>
+            </a:r>
+          </a:p>
+        </p:txBody>
+      </p:sp>
+      <p:sp>
+        <p:nvSpPr>
+          <p:cNvPr id="3" name="Content Placeholder 2">
+            <a:extLst>
+              <a:ext uri="{FF2B5EF4-FFF2-40B4-BE49-F238E27FC236}">
+                <a16:creationId xmlns:a16="http://schemas.microsoft.com/office/drawing/2014/main" id="{A3AFDBD8-D8BE-48A8-B81C-552DBC0F11EB}"/>
+              </a:ext>
+            </a:extLst>
+          </p:cNvPr>
+          <p:cNvSpPr>
+            <a:spLocks noGrp="1"/>
+          </p:cNvSpPr>
+          <p:nvPr>
+            <p:ph idx="1"/>
+          </p:nvPr>
+        </p:nvSpPr>
+        <p:spPr/>
+        <p:txBody>
+          <a:bodyPr>
+            <a:normAutofit/>
+          </a:bodyPr>
+          <a:lstStyle/>
+          <a:p>
+            <a:pPr algn="just"/>
+            <a:r>
+              <a:rPr lang="en-IN" dirty="0">
+                <a:solidFill>
+                  <a:srgbClr val="202122"/>
+                </a:solidFill>
+                <a:latin typeface="Arial" panose="020B0604020202020204" pitchFamily="34" charset="0"/>
+              </a:rPr>
+              <a:t>The FastForward team of naukri.com generates a report for a paid users.</a:t>
+            </a:r>
+          </a:p>
+          <a:p>
+            <a:pPr algn="just"/>
+            <a:r>
+              <a:rPr lang="en-IN" dirty="0">
+                <a:solidFill>
+                  <a:srgbClr val="202122"/>
+                </a:solidFill>
+                <a:latin typeface="Arial" panose="020B0604020202020204" pitchFamily="34" charset="0"/>
+              </a:rPr>
+              <a:t>It contains statistical data that helps the user to understand the current job market trends, and competition at his/her level.</a:t>
+            </a:r>
+          </a:p>
+          <a:p>
+            <a:pPr algn="just"/>
+            <a:r>
+              <a:rPr lang="en-IN" dirty="0">
+                <a:solidFill>
+                  <a:srgbClr val="202122"/>
+                </a:solidFill>
+                <a:latin typeface="Arial" panose="020B0604020202020204" pitchFamily="34" charset="0"/>
+              </a:rPr>
+              <a:t>This report is generated manually for each user so it takes a large amount of time and labour.</a:t>
+            </a:r>
+          </a:p>
+          <a:p>
+            <a:pPr algn="just"/>
+            <a:r>
+              <a:rPr lang="en-IN" dirty="0">
+                <a:solidFill>
+                  <a:srgbClr val="202122"/>
+                </a:solidFill>
+                <a:latin typeface="Arial" panose="020B0604020202020204" pitchFamily="34" charset="0"/>
+              </a:rPr>
+              <a:t>The report is generated monthly so it does not have daily-updated statistics.</a:t>
+            </a:r>
+          </a:p>
+        </p:txBody>
+      </p:sp>
+      <p:pic>
+        <p:nvPicPr>
+          <p:cNvPr id="4" name="Picture 7">
+            <a:extLst>
+              <a:ext uri="{FF2B5EF4-FFF2-40B4-BE49-F238E27FC236}">
+                <a16:creationId xmlns:a16="http://schemas.microsoft.com/office/drawing/2014/main" id="{A3B6A24E-442E-4C40-ACD9-23E82280DC80}"/>
+              </a:ext>
+            </a:extLst>
+          </p:cNvPr>
+          <p:cNvPicPr>
+            <a:picLocks noChangeAspect="1" noChangeArrowheads="1"/>
+          </p:cNvPicPr>
+          <p:nvPr/>
+        </p:nvPicPr>
+        <p:blipFill>
+          <a:blip r:embed="rId2">
+            <a:extLst>
+              <a:ext uri="{28A0092B-C50C-407E-A947-70E740481C1C}">
+                <a14:useLocalDpi xmlns:a14="http://schemas.microsoft.com/office/drawing/2010/main" val="0"/>
+              </a:ext>
+            </a:extLst>
+          </a:blip>
+          <a:srcRect/>
+          <a:stretch>
+            <a:fillRect/>
+          </a:stretch>
+        </p:blipFill>
+        <p:spPr bwMode="auto">
+          <a:xfrm>
+            <a:off x="9725025" y="375443"/>
+            <a:ext cx="1628775" cy="1304925"/>
+          </a:xfrm>
+          <a:prstGeom prst="rect">
+            <a:avLst/>
+          </a:prstGeom>
+          <a:noFill/>
+          <a:extLst>
+            <a:ext uri="{909E8E84-426E-40DD-AFC4-6F175D3DCCD1}">
+              <a14:hiddenFill xmlns:a14="http://schemas.microsoft.com/office/drawing/2010/main">
+                <a:solidFill>
+                  <a:srgbClr val="FFFFFF"/>
+                </a:solidFill>
+              </a14:hiddenFill>
+            </a:ext>
+          </a:extLst>
+        </p:spPr>
+      </p:pic>
+    </p:spTree>
+    <p:extLst>
+      <p:ext uri="{BB962C8B-B14F-4D97-AF65-F5344CB8AC3E}">
+        <p14:creationId xmlns:p14="http://schemas.microsoft.com/office/powerpoint/2010/main" val="3202367333"/>
+      </p:ext>
+    </p:extLst>
+  </p:cSld>
+  <p:clrMapOvr>
+    <a:masterClrMapping/>
+  </p:clrMapOvr>
+</p:sld>
+</file>
+
+<file path=ppt/slides/slide5.xml><?xml version="1.0" encoding="utf-8"?>
+<p:sld xmlns:a="http://schemas.openxmlformats.org/drawingml/2006/main" xmlns:r="http://schemas.openxmlformats.org/officeDocument/2006/relationships" xmlns:p="http://schemas.openxmlformats.org/presentationml/2006/main">
+  <p:cSld>
+    <p:spTree>
+      <p:nvGrpSpPr>
+        <p:cNvPr id="1" name=""/>
+        <p:cNvGrpSpPr/>
+        <p:nvPr/>
+      </p:nvGrpSpPr>
+      <p:grpSpPr>
+        <a:xfrm>
+          <a:off x="0" y="0"/>
+          <a:ext cx="0" cy="0"/>
+          <a:chOff x="0" y="0"/>
+          <a:chExt cx="0" cy="0"/>
+        </a:xfrm>
+      </p:grpSpPr>
+      <p:sp>
+        <p:nvSpPr>
+          <p:cNvPr id="2" name="Title 1">
+            <a:extLst>
+              <a:ext uri="{FF2B5EF4-FFF2-40B4-BE49-F238E27FC236}">
+                <a16:creationId xmlns:a16="http://schemas.microsoft.com/office/drawing/2014/main" id="{078945BF-047F-4163-9CCE-0202B64CFA0C}"/>
+              </a:ext>
+            </a:extLst>
+          </p:cNvPr>
+          <p:cNvSpPr>
+            <a:spLocks noGrp="1"/>
+          </p:cNvSpPr>
+          <p:nvPr>
+            <p:ph type="title"/>
+          </p:nvPr>
+        </p:nvSpPr>
+        <p:spPr/>
+        <p:txBody>
+          <a:bodyPr/>
+          <a:lstStyle/>
+          <a:p>
+            <a:r>
+              <a:rPr lang="en-IN" b="1" dirty="0"/>
               <a:t>Motivation </a:t>
             </a:r>
           </a:p>
@@ -4496,7 +8248,7 @@
             </a:pPr>
             <a:r>
               <a:rPr lang="en-IN" dirty="0"/>
-              <a:t>We have automated the entire report generation process.</a:t>
+              <a:t>The project automates the entire report generation process, saving time and labour..</a:t>
             </a:r>
           </a:p>
           <a:p>
@@ -4510,7 +8262,7 @@
             </a:pPr>
             <a:r>
               <a:rPr lang="en-IN" dirty="0"/>
-              <a:t>We provide the user with this report generation facility in form of an app that runs on Android, IOS, and Web.</a:t>
+              <a:t>It provides the user with report generation facility in form of an app that runs on Android, IOS, and Web.</a:t>
             </a:r>
           </a:p>
           <a:p>
@@ -4574,7 +8326,7 @@
 </p:sld>
 </file>
 
-<file path=ppt/slides/slide4.xml><?xml version="1.0" encoding="utf-8"?>
+<file path=ppt/slides/slide6.xml><?xml version="1.0" encoding="utf-8"?>
 <p:sld xmlns:a="http://schemas.openxmlformats.org/drawingml/2006/main" xmlns:r="http://schemas.openxmlformats.org/officeDocument/2006/relationships" xmlns:p="http://schemas.openxmlformats.org/presentationml/2006/main">
   <p:cSld>
     <p:spTree>
@@ -5355,7 +9107,7 @@
 </p:sld>
 </file>
 
-<file path=ppt/slides/slide5.xml><?xml version="1.0" encoding="utf-8"?>
+<file path=ppt/slides/slide7.xml><?xml version="1.0" encoding="utf-8"?>
 <p:sld xmlns:a="http://schemas.openxmlformats.org/drawingml/2006/main" xmlns:r="http://schemas.openxmlformats.org/officeDocument/2006/relationships" xmlns:p="http://schemas.openxmlformats.org/presentationml/2006/main">
   <p:cSld>
     <p:spTree>
@@ -5980,7 +9732,7 @@
 </p:sld>
 </file>
 
-<file path=ppt/slides/slide6.xml><?xml version="1.0" encoding="utf-8"?>
+<file path=ppt/slides/slide8.xml><?xml version="1.0" encoding="utf-8"?>
 <p:sld xmlns:a="http://schemas.openxmlformats.org/drawingml/2006/main" xmlns:r="http://schemas.openxmlformats.org/officeDocument/2006/relationships" xmlns:p="http://schemas.openxmlformats.org/presentationml/2006/main">
   <p:cSld>
     <p:spTree>
@@ -6147,11 +9899,7 @@
           <a:p>
             <a:r>
               <a:rPr lang="en-US" dirty="0"/>
-              <a:t> Its dependencies are auto-managed, and can be </a:t>
-            </a:r>
-            <a:r>
-              <a:rPr lang="en-US"/>
-              <a:t>upgraded easily</a:t>
+              <a:t> Its dependencies are auto-managed, and can be upgraded easily</a:t>
             </a:r>
             <a:endParaRPr lang="en-IN" dirty="0"/>
           </a:p>
@@ -6173,7 +9921,7 @@
 </p:sld>
 </file>
 
-<file path=ppt/slides/slide7.xml><?xml version="1.0" encoding="utf-8"?>
+<file path=ppt/slides/slide9.xml><?xml version="1.0" encoding="utf-8"?>
 <p:sld xmlns:a="http://schemas.openxmlformats.org/drawingml/2006/main" xmlns:r="http://schemas.openxmlformats.org/officeDocument/2006/relationships" xmlns:p="http://schemas.openxmlformats.org/presentationml/2006/main">
   <p:cSld>
     <p:spTree>
@@ -6281,15 +10029,117 @@
             <p:ph idx="1"/>
           </p:nvPr>
         </p:nvSpPr>
-        <p:spPr/>
+        <p:spPr>
+          <a:xfrm>
+            <a:off x="838200" y="1825625"/>
+            <a:ext cx="10515600" cy="4351338"/>
+          </a:xfrm>
+        </p:spPr>
         <p:txBody>
-          <a:bodyPr/>
+          <a:bodyPr>
+            <a:normAutofit fontScale="92500"/>
+          </a:bodyPr>
           <a:lstStyle/>
           <a:p>
-            <a:r>
-              <a:rPr lang="en-IN" dirty="0"/>
-              <a:t> </a:t>
-            </a:r>
+            <a:pPr marL="0" indent="0">
+              <a:buNone/>
+            </a:pPr>
+            <a:r>
+              <a:rPr lang="en-US" sz="3200" b="1" u="sng" dirty="0">
+                <a:solidFill>
+                  <a:srgbClr val="000000"/>
+                </a:solidFill>
+                <a:latin typeface="Helvetica Neue"/>
+              </a:rPr>
+              <a:t>Data Flow in the Application</a:t>
+            </a:r>
+            <a:endParaRPr lang="en-IN" sz="3600" dirty="0"/>
+          </a:p>
+          <a:p>
+            <a:pPr marL="0" indent="0">
+              <a:buNone/>
+            </a:pPr>
+            <a:r>
+              <a:rPr lang="en-IN" sz="3200" b="1" u="sng" dirty="0"/>
+              <a:t>State Management</a:t>
+            </a:r>
+          </a:p>
+          <a:p>
+            <a:pPr marL="514350" indent="-514350">
+              <a:buFont typeface="+mj-lt"/>
+              <a:buAutoNum type="arabicPeriod"/>
+            </a:pPr>
+            <a:r>
+              <a:rPr lang="en-IN" sz="3200" dirty="0"/>
+              <a:t>Ephemeral State</a:t>
+            </a:r>
+          </a:p>
+          <a:p>
+            <a:pPr lvl="1"/>
+            <a:r>
+              <a:rPr lang="en-IN" sz="2800" dirty="0">
+                <a:solidFill>
+                  <a:srgbClr val="231F20"/>
+                </a:solidFill>
+                <a:effectLst/>
+                <a:latin typeface="Cambria" panose="02040503050406030204" pitchFamily="18" charset="0"/>
+                <a:ea typeface="Times New Roman" panose="02020603050405020304" pitchFamily="18" charset="0"/>
+                <a:cs typeface="Mangal" panose="02040503050203030202" pitchFamily="18" charset="0"/>
+              </a:rPr>
+              <a:t>Ephemeral state (sometimes called UI state or local state) is the state one can neatly contain in a single widget.</a:t>
+            </a:r>
+            <a:endParaRPr lang="en-IN" sz="2800" dirty="0">
+              <a:effectLst/>
+              <a:latin typeface="Cambria" panose="02040503050406030204" pitchFamily="18" charset="0"/>
+              <a:ea typeface="Times New Roman" panose="02020603050405020304" pitchFamily="18" charset="0"/>
+              <a:cs typeface="Mangal" panose="02040503050203030202" pitchFamily="18" charset="0"/>
+            </a:endParaRPr>
+          </a:p>
+          <a:p>
+            <a:pPr lvl="1"/>
+            <a:r>
+              <a:rPr lang="en-IN" sz="2800" dirty="0">
+                <a:solidFill>
+                  <a:srgbClr val="231F20"/>
+                </a:solidFill>
+                <a:effectLst/>
+                <a:latin typeface="Cambria" panose="02040503050406030204" pitchFamily="18" charset="0"/>
+                <a:ea typeface="Times New Roman" panose="02020603050405020304" pitchFamily="18" charset="0"/>
+                <a:cs typeface="Mangal" panose="02040503050203030202" pitchFamily="18" charset="0"/>
+              </a:rPr>
+              <a:t>Other parts of the widget tree seldom need to access this kind of state. There is no need to serialize it, and it doesn’t change in complex ways.</a:t>
+            </a:r>
+            <a:endParaRPr lang="en-IN" sz="2800" dirty="0">
+              <a:effectLst/>
+              <a:latin typeface="Cambria" panose="02040503050406030204" pitchFamily="18" charset="0"/>
+              <a:ea typeface="Times New Roman" panose="02020603050405020304" pitchFamily="18" charset="0"/>
+              <a:cs typeface="Mangal" panose="02040503050203030202" pitchFamily="18" charset="0"/>
+            </a:endParaRPr>
+          </a:p>
+          <a:p>
+            <a:pPr lvl="1"/>
+            <a:r>
+              <a:rPr lang="en-IN" sz="2800" dirty="0">
+                <a:solidFill>
+                  <a:srgbClr val="231F20"/>
+                </a:solidFill>
+                <a:effectLst/>
+                <a:latin typeface="Cambria" panose="02040503050406030204" pitchFamily="18" charset="0"/>
+                <a:ea typeface="Times New Roman" panose="02020603050405020304" pitchFamily="18" charset="0"/>
+                <a:cs typeface="Mangal" panose="02040503050203030202" pitchFamily="18" charset="0"/>
+              </a:rPr>
+              <a:t>In other words, there is no need to use state management techniques on this kind of state. All one need is a StatefulWidget.</a:t>
+            </a:r>
+            <a:endParaRPr lang="en-IN" sz="2800" dirty="0">
+              <a:effectLst/>
+              <a:latin typeface="Cambria" panose="02040503050406030204" pitchFamily="18" charset="0"/>
+              <a:ea typeface="Times New Roman" panose="02020603050405020304" pitchFamily="18" charset="0"/>
+              <a:cs typeface="Mangal" panose="02040503050203030202" pitchFamily="18" charset="0"/>
+            </a:endParaRPr>
+          </a:p>
+          <a:p>
+            <a:pPr lvl="2"/>
+            <a:endParaRPr lang="en-IN" sz="1800" dirty="0"/>
           </a:p>
         </p:txBody>
       </p:sp>
@@ -6297,374 +10147,6 @@
     <p:extLst>
       <p:ext uri="{BB962C8B-B14F-4D97-AF65-F5344CB8AC3E}">
         <p14:creationId xmlns:p14="http://schemas.microsoft.com/office/powerpoint/2010/main" val="2368081089"/>
-      </p:ext>
-    </p:extLst>
-  </p:cSld>
-  <p:clrMapOvr>
-    <a:masterClrMapping/>
-  </p:clrMapOvr>
-</p:sld>
-</file>
-
-<file path=ppt/slides/slide8.xml><?xml version="1.0" encoding="utf-8"?>
-<p:sld xmlns:a="http://schemas.openxmlformats.org/drawingml/2006/main" xmlns:r="http://schemas.openxmlformats.org/officeDocument/2006/relationships" xmlns:p="http://schemas.openxmlformats.org/presentationml/2006/main">
-  <p:cSld>
-    <p:spTree>
-      <p:nvGrpSpPr>
-        <p:cNvPr id="1" name=""/>
-        <p:cNvGrpSpPr/>
-        <p:nvPr/>
-      </p:nvGrpSpPr>
-      <p:grpSpPr>
-        <a:xfrm>
-          <a:off x="0" y="0"/>
-          <a:ext cx="0" cy="0"/>
-          <a:chOff x="0" y="0"/>
-          <a:chExt cx="0" cy="0"/>
-        </a:xfrm>
-      </p:grpSpPr>
-      <p:sp>
-        <p:nvSpPr>
-          <p:cNvPr id="2" name="Title 1">
-            <a:extLst>
-              <a:ext uri="{FF2B5EF4-FFF2-40B4-BE49-F238E27FC236}">
-                <a16:creationId xmlns:a16="http://schemas.microsoft.com/office/drawing/2014/main" id="{078945BF-047F-4163-9CCE-0202B64CFA0C}"/>
-              </a:ext>
-            </a:extLst>
-          </p:cNvPr>
-          <p:cNvSpPr>
-            <a:spLocks noGrp="1"/>
-          </p:cNvSpPr>
-          <p:nvPr>
-            <p:ph type="title"/>
-          </p:nvPr>
-        </p:nvSpPr>
-        <p:spPr/>
-        <p:txBody>
-          <a:bodyPr/>
-          <a:lstStyle/>
-          <a:p>
-            <a:r>
-              <a:rPr lang="en-IN" b="1" dirty="0"/>
-              <a:t>Result and Analysis  </a:t>
-            </a:r>
-          </a:p>
-        </p:txBody>
-      </p:sp>
-      <p:pic>
-        <p:nvPicPr>
-          <p:cNvPr id="4" name="Picture 7">
-            <a:extLst>
-              <a:ext uri="{FF2B5EF4-FFF2-40B4-BE49-F238E27FC236}">
-                <a16:creationId xmlns:a16="http://schemas.microsoft.com/office/drawing/2014/main" id="{A3B6A24E-442E-4C40-ACD9-23E82280DC80}"/>
-              </a:ext>
-            </a:extLst>
-          </p:cNvPr>
-          <p:cNvPicPr>
-            <a:picLocks noChangeAspect="1" noChangeArrowheads="1"/>
-          </p:cNvPicPr>
-          <p:nvPr/>
-        </p:nvPicPr>
-        <p:blipFill>
-          <a:blip r:embed="rId2">
-            <a:extLst>
-              <a:ext uri="{28A0092B-C50C-407E-A947-70E740481C1C}">
-                <a14:useLocalDpi xmlns:a14="http://schemas.microsoft.com/office/drawing/2010/main" val="0"/>
-              </a:ext>
-            </a:extLst>
-          </a:blip>
-          <a:srcRect/>
-          <a:stretch>
-            <a:fillRect/>
-          </a:stretch>
-        </p:blipFill>
-        <p:spPr bwMode="auto">
-          <a:xfrm>
-            <a:off x="9725025" y="375443"/>
-            <a:ext cx="1628775" cy="1304925"/>
-          </a:xfrm>
-          <a:prstGeom prst="rect">
-            <a:avLst/>
-          </a:prstGeom>
-          <a:noFill/>
-          <a:extLst>
-            <a:ext uri="{909E8E84-426E-40DD-AFC4-6F175D3DCCD1}">
-              <a14:hiddenFill xmlns:a14="http://schemas.microsoft.com/office/drawing/2010/main">
-                <a:solidFill>
-                  <a:srgbClr val="FFFFFF"/>
-                </a:solidFill>
-              </a14:hiddenFill>
-            </a:ext>
-          </a:extLst>
-        </p:spPr>
-      </p:pic>
-      <p:sp>
-        <p:nvSpPr>
-          <p:cNvPr id="6" name="Content Placeholder 5">
-            <a:extLst>
-              <a:ext uri="{FF2B5EF4-FFF2-40B4-BE49-F238E27FC236}">
-                <a16:creationId xmlns:a16="http://schemas.microsoft.com/office/drawing/2014/main" id="{90F8CA56-6026-4026-B08E-14B9597E4435}"/>
-              </a:ext>
-            </a:extLst>
-          </p:cNvPr>
-          <p:cNvSpPr>
-            <a:spLocks noGrp="1"/>
-          </p:cNvSpPr>
-          <p:nvPr>
-            <p:ph idx="1"/>
-          </p:nvPr>
-        </p:nvSpPr>
-        <p:spPr/>
-        <p:txBody>
-          <a:bodyPr>
-            <a:normAutofit/>
-          </a:bodyPr>
-          <a:lstStyle/>
-          <a:p>
-            <a:r>
-              <a:rPr lang="en-IN" dirty="0"/>
-              <a:t>We have created the Graphical User Interface of the application strategically so that users can view important statistics at first. </a:t>
-            </a:r>
-          </a:p>
-          <a:p>
-            <a:r>
-              <a:rPr lang="en-IN" dirty="0"/>
-              <a:t>There are warning present in the application that is due to null-safety of flutter.</a:t>
-            </a:r>
-          </a:p>
-          <a:p>
-            <a:r>
-              <a:rPr lang="en-IN" dirty="0"/>
-              <a:t> We can assure you that it will not affect the performance and user experience.</a:t>
-            </a:r>
-          </a:p>
-          <a:p>
-            <a:r>
-              <a:rPr lang="en-IN" dirty="0"/>
-              <a:t> Our application may experience a few bugs as it is still in the testing phase, which will be solved gradually with updates.</a:t>
-            </a:r>
-          </a:p>
-          <a:p>
-            <a:endParaRPr lang="en-IN" dirty="0"/>
-          </a:p>
-        </p:txBody>
-      </p:sp>
-    </p:spTree>
-    <p:extLst>
-      <p:ext uri="{BB962C8B-B14F-4D97-AF65-F5344CB8AC3E}">
-        <p14:creationId xmlns:p14="http://schemas.microsoft.com/office/powerpoint/2010/main" val="448832388"/>
-      </p:ext>
-    </p:extLst>
-  </p:cSld>
-  <p:clrMapOvr>
-    <a:masterClrMapping/>
-  </p:clrMapOvr>
-</p:sld>
-</file>
-
-<file path=ppt/slides/slide9.xml><?xml version="1.0" encoding="utf-8"?>
-<p:sld xmlns:a="http://schemas.openxmlformats.org/drawingml/2006/main" xmlns:r="http://schemas.openxmlformats.org/officeDocument/2006/relationships" xmlns:p="http://schemas.openxmlformats.org/presentationml/2006/main">
-  <p:cSld>
-    <p:spTree>
-      <p:nvGrpSpPr>
-        <p:cNvPr id="1" name=""/>
-        <p:cNvGrpSpPr/>
-        <p:nvPr/>
-      </p:nvGrpSpPr>
-      <p:grpSpPr>
-        <a:xfrm>
-          <a:off x="0" y="0"/>
-          <a:ext cx="0" cy="0"/>
-          <a:chOff x="0" y="0"/>
-          <a:chExt cx="0" cy="0"/>
-        </a:xfrm>
-      </p:grpSpPr>
-      <p:sp>
-        <p:nvSpPr>
-          <p:cNvPr id="2" name="Title 1">
-            <a:extLst>
-              <a:ext uri="{FF2B5EF4-FFF2-40B4-BE49-F238E27FC236}">
-                <a16:creationId xmlns:a16="http://schemas.microsoft.com/office/drawing/2014/main" id="{078945BF-047F-4163-9CCE-0202B64CFA0C}"/>
-              </a:ext>
-            </a:extLst>
-          </p:cNvPr>
-          <p:cNvSpPr>
-            <a:spLocks noGrp="1"/>
-          </p:cNvSpPr>
-          <p:nvPr>
-            <p:ph type="title"/>
-          </p:nvPr>
-        </p:nvSpPr>
-        <p:spPr/>
-        <p:txBody>
-          <a:bodyPr/>
-          <a:lstStyle/>
-          <a:p>
-            <a:r>
-              <a:rPr lang="en-IN" b="1" dirty="0"/>
-              <a:t>Conclusion</a:t>
-            </a:r>
-          </a:p>
-        </p:txBody>
-      </p:sp>
-      <p:pic>
-        <p:nvPicPr>
-          <p:cNvPr id="4" name="Picture 7">
-            <a:extLst>
-              <a:ext uri="{FF2B5EF4-FFF2-40B4-BE49-F238E27FC236}">
-                <a16:creationId xmlns:a16="http://schemas.microsoft.com/office/drawing/2014/main" id="{A3B6A24E-442E-4C40-ACD9-23E82280DC80}"/>
-              </a:ext>
-            </a:extLst>
-          </p:cNvPr>
-          <p:cNvPicPr>
-            <a:picLocks noChangeAspect="1" noChangeArrowheads="1"/>
-          </p:cNvPicPr>
-          <p:nvPr/>
-        </p:nvPicPr>
-        <p:blipFill>
-          <a:blip r:embed="rId2">
-            <a:extLst>
-              <a:ext uri="{28A0092B-C50C-407E-A947-70E740481C1C}">
-                <a14:useLocalDpi xmlns:a14="http://schemas.microsoft.com/office/drawing/2010/main" val="0"/>
-              </a:ext>
-            </a:extLst>
-          </a:blip>
-          <a:srcRect/>
-          <a:stretch>
-            <a:fillRect/>
-          </a:stretch>
-        </p:blipFill>
-        <p:spPr bwMode="auto">
-          <a:xfrm>
-            <a:off x="9725025" y="375443"/>
-            <a:ext cx="1628775" cy="1304925"/>
-          </a:xfrm>
-          <a:prstGeom prst="rect">
-            <a:avLst/>
-          </a:prstGeom>
-          <a:noFill/>
-          <a:extLst>
-            <a:ext uri="{909E8E84-426E-40DD-AFC4-6F175D3DCCD1}">
-              <a14:hiddenFill xmlns:a14="http://schemas.microsoft.com/office/drawing/2010/main">
-                <a:solidFill>
-                  <a:srgbClr val="FFFFFF"/>
-                </a:solidFill>
-              </a14:hiddenFill>
-            </a:ext>
-          </a:extLst>
-        </p:spPr>
-      </p:pic>
-      <p:sp>
-        <p:nvSpPr>
-          <p:cNvPr id="6" name="Content Placeholder 5">
-            <a:extLst>
-              <a:ext uri="{FF2B5EF4-FFF2-40B4-BE49-F238E27FC236}">
-                <a16:creationId xmlns:a16="http://schemas.microsoft.com/office/drawing/2014/main" id="{90F8CA56-6026-4026-B08E-14B9597E4435}"/>
-              </a:ext>
-            </a:extLst>
-          </p:cNvPr>
-          <p:cNvSpPr>
-            <a:spLocks noGrp="1"/>
-          </p:cNvSpPr>
-          <p:nvPr>
-            <p:ph idx="1"/>
-          </p:nvPr>
-        </p:nvSpPr>
-        <p:spPr/>
-        <p:txBody>
-          <a:bodyPr>
-            <a:normAutofit/>
-          </a:bodyPr>
-          <a:lstStyle/>
-          <a:p>
-            <a:pPr marL="457200" algn="just">
-              <a:spcBef>
-                <a:spcPts val="1170"/>
-              </a:spcBef>
-              <a:tabLst>
-                <a:tab pos="842645" algn="l"/>
-                <a:tab pos="843280" algn="l"/>
-              </a:tabLst>
-            </a:pPr>
-            <a:r>
-              <a:rPr lang="en-IN" dirty="0"/>
-              <a:t>We have created an application that is capable of running across three platforms- Android, IOS, and Web. </a:t>
-            </a:r>
-          </a:p>
-          <a:p>
-            <a:pPr marL="457200" algn="just">
-              <a:spcBef>
-                <a:spcPts val="1170"/>
-              </a:spcBef>
-              <a:tabLst>
-                <a:tab pos="842645" algn="l"/>
-                <a:tab pos="843280" algn="l"/>
-              </a:tabLst>
-            </a:pPr>
-            <a:r>
-              <a:rPr lang="en-IN" dirty="0"/>
-              <a:t>We have tried our best to create a Graphical User Interface with the highest possible optimization and smallest response time possible.</a:t>
-            </a:r>
-          </a:p>
-          <a:p>
-            <a:pPr marL="457200" algn="just">
-              <a:spcBef>
-                <a:spcPts val="1170"/>
-              </a:spcBef>
-              <a:tabLst>
-                <a:tab pos="842645" algn="l"/>
-                <a:tab pos="843280" algn="l"/>
-              </a:tabLst>
-            </a:pPr>
-            <a:r>
-              <a:rPr lang="en-IN" dirty="0"/>
-              <a:t> We have packed the application with a lot of statistical data to help them in finding their dream job. </a:t>
-            </a:r>
-          </a:p>
-          <a:p>
-            <a:pPr marL="457200" algn="just">
-              <a:spcBef>
-                <a:spcPts val="1170"/>
-              </a:spcBef>
-              <a:tabLst>
-                <a:tab pos="842645" algn="l"/>
-                <a:tab pos="843280" algn="l"/>
-              </a:tabLst>
-            </a:pPr>
-            <a:r>
-              <a:rPr lang="en-IN" dirty="0"/>
-              <a:t>We have developed a PDF engine for creating a beautiful PDF of all the statistics shown in the application.</a:t>
-            </a:r>
-          </a:p>
-          <a:p>
-            <a:pPr marL="457200" algn="just">
-              <a:spcBef>
-                <a:spcPts val="1170"/>
-              </a:spcBef>
-              <a:tabLst>
-                <a:tab pos="842645" algn="l"/>
-                <a:tab pos="843280" algn="l"/>
-              </a:tabLst>
-            </a:pPr>
-            <a:endParaRPr lang="en-IN" dirty="0"/>
-          </a:p>
-          <a:p>
-            <a:pPr marL="0" indent="0">
-              <a:buNone/>
-            </a:pPr>
-            <a:endParaRPr lang="en-IN" sz="1800" dirty="0">
-              <a:effectLst/>
-              <a:latin typeface="Cambria" panose="02040503050406030204" pitchFamily="18" charset="0"/>
-              <a:ea typeface="Times New Roman" panose="02020603050405020304" pitchFamily="18" charset="0"/>
-              <a:cs typeface="Mangal" panose="02040503050203030202" pitchFamily="18" charset="0"/>
-            </a:endParaRPr>
-          </a:p>
-        </p:txBody>
-      </p:sp>
-    </p:spTree>
-    <p:extLst>
-      <p:ext uri="{BB962C8B-B14F-4D97-AF65-F5344CB8AC3E}">
-        <p14:creationId xmlns:p14="http://schemas.microsoft.com/office/powerpoint/2010/main" val="3812158382"/>
       </p:ext>
     </p:extLst>
   </p:cSld>
